--- a/docs/Apresentação TCC.pptx
+++ b/docs/Apresentação TCC.pptx
@@ -5,7 +5,7 @@
     <p:sldMasterId id="2147483659" r:id="rId1"/>
   </p:sldMasterIdLst>
   <p:notesMasterIdLst>
-    <p:notesMasterId r:id="rId15"/>
+    <p:notesMasterId r:id="rId19"/>
   </p:notesMasterIdLst>
   <p:sldIdLst>
     <p:sldId id="256" r:id="rId2"/>
@@ -21,21 +21,25 @@
     <p:sldId id="267" r:id="rId12"/>
     <p:sldId id="264" r:id="rId13"/>
     <p:sldId id="265" r:id="rId14"/>
+    <p:sldId id="269" r:id="rId15"/>
+    <p:sldId id="270" r:id="rId16"/>
+    <p:sldId id="271" r:id="rId17"/>
+    <p:sldId id="272" r:id="rId18"/>
   </p:sldIdLst>
   <p:sldSz cx="9144000" cy="5143500" type="screen16x9"/>
   <p:notesSz cx="6858000" cy="9144000"/>
   <p:embeddedFontLst>
     <p:embeddedFont>
       <p:font typeface="Maven Pro" panose="020B0604020202020204" charset="0"/>
-      <p:regular r:id="rId16"/>
-      <p:bold r:id="rId17"/>
+      <p:regular r:id="rId20"/>
+      <p:bold r:id="rId21"/>
     </p:embeddedFont>
     <p:embeddedFont>
       <p:font typeface="Nunito" panose="020B0604020202020204" charset="0"/>
-      <p:regular r:id="rId18"/>
-      <p:bold r:id="rId19"/>
-      <p:italic r:id="rId20"/>
-      <p:boldItalic r:id="rId21"/>
+      <p:regular r:id="rId22"/>
+      <p:bold r:id="rId23"/>
+      <p:italic r:id="rId24"/>
+      <p:boldItalic r:id="rId25"/>
     </p:embeddedFont>
   </p:embeddedFontLst>
   <p:defaultTextStyle>
@@ -16160,6 +16164,1048 @@
 </p:sld>
 </file>
 
+<file path=ppt/slides/slide14.xml><?xml version="1.0" encoding="utf-8"?>
+<p:sld xmlns:a="http://schemas.openxmlformats.org/drawingml/2006/main" xmlns:r="http://schemas.openxmlformats.org/officeDocument/2006/relationships" xmlns:p="http://schemas.openxmlformats.org/presentationml/2006/main">
+  <p:cSld>
+    <p:spTree>
+      <p:nvGrpSpPr>
+        <p:cNvPr id="1" name=""/>
+        <p:cNvGrpSpPr/>
+        <p:nvPr/>
+      </p:nvGrpSpPr>
+      <p:grpSpPr>
+        <a:xfrm>
+          <a:off x="0" y="0"/>
+          <a:ext cx="0" cy="0"/>
+          <a:chOff x="0" y="0"/>
+          <a:chExt cx="0" cy="0"/>
+        </a:xfrm>
+      </p:grpSpPr>
+      <p:sp>
+        <p:nvSpPr>
+          <p:cNvPr id="2" name="Título 1">
+            <a:extLst>
+              <a:ext uri="{FF2B5EF4-FFF2-40B4-BE49-F238E27FC236}">
+                <a16:creationId xmlns:a16="http://schemas.microsoft.com/office/drawing/2014/main" id="{8B234123-D602-4B45-B9D2-83E6CDF202C5}"/>
+              </a:ext>
+            </a:extLst>
+          </p:cNvPr>
+          <p:cNvSpPr>
+            <a:spLocks noGrp="1"/>
+          </p:cNvSpPr>
+          <p:nvPr>
+            <p:ph type="title"/>
+          </p:nvPr>
+        </p:nvSpPr>
+        <p:spPr/>
+        <p:txBody>
+          <a:bodyPr/>
+          <a:lstStyle/>
+          <a:p>
+            <a:r>
+              <a:rPr lang="pt-BR" dirty="0"/>
+              <a:t>Referências</a:t>
+            </a:r>
+          </a:p>
+        </p:txBody>
+      </p:sp>
+      <p:sp>
+        <p:nvSpPr>
+          <p:cNvPr id="3" name="Espaço Reservado para Texto 2">
+            <a:extLst>
+              <a:ext uri="{FF2B5EF4-FFF2-40B4-BE49-F238E27FC236}">
+                <a16:creationId xmlns:a16="http://schemas.microsoft.com/office/drawing/2014/main" id="{6587B4C8-2D98-4BF5-9394-BCCAAEE90808}"/>
+              </a:ext>
+            </a:extLst>
+          </p:cNvPr>
+          <p:cNvSpPr>
+            <a:spLocks noGrp="1"/>
+          </p:cNvSpPr>
+          <p:nvPr>
+            <p:ph type="body" idx="1"/>
+          </p:nvPr>
+        </p:nvSpPr>
+        <p:spPr>
+          <a:xfrm>
+            <a:off x="1303800" y="1372587"/>
+            <a:ext cx="7030500" cy="2815099"/>
+          </a:xfrm>
+        </p:spPr>
+        <p:txBody>
+          <a:bodyPr/>
+          <a:lstStyle/>
+          <a:p>
+            <a:pPr marL="146050" indent="0">
+              <a:buNone/>
+            </a:pPr>
+            <a:r>
+              <a:rPr lang="pt-BR" sz="1200" dirty="0"/>
+              <a:t>ALVES, G. O QUE É UM BANCO DE DADOS? Acessado em 13 de maio de 2020. Disponível em: &lt;</a:t>
+            </a:r>
+            <a:r>
+              <a:rPr lang="pt-BR" sz="1200" u="sng" dirty="0">
+                <a:hlinkClick r:id="rId2"/>
+              </a:rPr>
+              <a:t>https://dicasdeprogramacao.com.br/o-que-e-um-banco-de-dados/</a:t>
+            </a:r>
+            <a:r>
+              <a:rPr lang="pt-BR" sz="1200" dirty="0"/>
+              <a:t>&gt;. </a:t>
+            </a:r>
+            <a:br>
+              <a:rPr lang="pt-BR" sz="1200" dirty="0"/>
+            </a:br>
+            <a:endParaRPr lang="pt-BR" sz="1200" dirty="0"/>
+          </a:p>
+          <a:p>
+            <a:pPr marL="146050" indent="0">
+              <a:buNone/>
+            </a:pPr>
+            <a:r>
+              <a:rPr lang="pt-BR" sz="1200" dirty="0"/>
+              <a:t>FLACH, C. SEGURANÇA LÓGICA: COMO POSSO ME PROTEGER? Acessado em 10 de outubro de 2020. Disponível em: &lt;https://micreiros.com/</a:t>
+            </a:r>
+            <a:r>
+              <a:rPr lang="pt-BR" sz="1200" dirty="0" err="1"/>
+              <a:t>seguranca</a:t>
+            </a:r>
+            <a:r>
+              <a:rPr lang="pt-BR" sz="1200" dirty="0"/>
+              <a:t>-logica-como-posso-proteger/&gt;.</a:t>
+            </a:r>
+          </a:p>
+          <a:p>
+            <a:pPr marL="146050" indent="0">
+              <a:buNone/>
+            </a:pPr>
+            <a:endParaRPr lang="pt-BR" sz="1200" dirty="0"/>
+          </a:p>
+          <a:p>
+            <a:pPr marL="146050" indent="0">
+              <a:buNone/>
+            </a:pPr>
+            <a:r>
+              <a:rPr lang="pt-BR" sz="1200" dirty="0"/>
+              <a:t>MACHADO, D. NORMALIZAÇÃO EM BANCO DE DADOS. Acessado em 8 de abril de 2020. Disponível em: &lt;</a:t>
+            </a:r>
+            <a:r>
+              <a:rPr lang="pt-BR" sz="1200" u="sng" dirty="0"/>
+              <a:t>https://medium.com/@</a:t>
+            </a:r>
+            <a:r>
+              <a:rPr lang="pt-BR" sz="1200" u="sng" dirty="0" err="1"/>
+              <a:t>diegobmachado</a:t>
+            </a:r>
+            <a:r>
+              <a:rPr lang="pt-BR" sz="1200" u="sng" dirty="0"/>
+              <a:t>/normaliza%C3%A7%C3%A3o-em-banco-de-dados-5647cdf84a12</a:t>
+            </a:r>
+            <a:r>
+              <a:rPr lang="pt-BR" sz="1200" dirty="0"/>
+              <a:t>&gt;.</a:t>
+            </a:r>
+          </a:p>
+          <a:p>
+            <a:pPr marL="146050" indent="0">
+              <a:buNone/>
+            </a:pPr>
+            <a:endParaRPr lang="pt-BR" sz="1200" dirty="0"/>
+          </a:p>
+          <a:p>
+            <a:pPr marL="146050" indent="0">
+              <a:buNone/>
+            </a:pPr>
+            <a:r>
+              <a:rPr lang="pt-BR" sz="1200" dirty="0"/>
+              <a:t>MARCHI, K. NORMALIZAÇÃO. Acessado em 13 de maio de 2020. Disponível em: &lt;</a:t>
+            </a:r>
+            <a:r>
+              <a:rPr lang="pt-BR" sz="1200" u="sng" dirty="0">
+                <a:hlinkClick r:id="rId3"/>
+              </a:rPr>
+              <a:t>http://kessiamarchi.blogspot.com/2013/10/normalizacao.html</a:t>
+            </a:r>
+            <a:r>
+              <a:rPr lang="pt-BR" sz="1200" dirty="0"/>
+              <a:t>&gt;. </a:t>
+            </a:r>
+          </a:p>
+        </p:txBody>
+      </p:sp>
+    </p:spTree>
+    <p:extLst>
+      <p:ext uri="{BB962C8B-B14F-4D97-AF65-F5344CB8AC3E}">
+        <p14:creationId xmlns:p14="http://schemas.microsoft.com/office/powerpoint/2010/main" val="4198950276"/>
+      </p:ext>
+    </p:extLst>
+  </p:cSld>
+  <p:clrMapOvr>
+    <a:masterClrMapping/>
+  </p:clrMapOvr>
+</p:sld>
+</file>
+
+<file path=ppt/slides/slide15.xml><?xml version="1.0" encoding="utf-8"?>
+<p:sld xmlns:a="http://schemas.openxmlformats.org/drawingml/2006/main" xmlns:r="http://schemas.openxmlformats.org/officeDocument/2006/relationships" xmlns:p="http://schemas.openxmlformats.org/presentationml/2006/main">
+  <p:cSld>
+    <p:spTree>
+      <p:nvGrpSpPr>
+        <p:cNvPr id="1" name=""/>
+        <p:cNvGrpSpPr/>
+        <p:nvPr/>
+      </p:nvGrpSpPr>
+      <p:grpSpPr>
+        <a:xfrm>
+          <a:off x="0" y="0"/>
+          <a:ext cx="0" cy="0"/>
+          <a:chOff x="0" y="0"/>
+          <a:chExt cx="0" cy="0"/>
+        </a:xfrm>
+      </p:grpSpPr>
+      <p:sp>
+        <p:nvSpPr>
+          <p:cNvPr id="2" name="Título 1">
+            <a:extLst>
+              <a:ext uri="{FF2B5EF4-FFF2-40B4-BE49-F238E27FC236}">
+                <a16:creationId xmlns:a16="http://schemas.microsoft.com/office/drawing/2014/main" id="{8B234123-D602-4B45-B9D2-83E6CDF202C5}"/>
+              </a:ext>
+            </a:extLst>
+          </p:cNvPr>
+          <p:cNvSpPr>
+            <a:spLocks noGrp="1"/>
+          </p:cNvSpPr>
+          <p:nvPr>
+            <p:ph type="title"/>
+          </p:nvPr>
+        </p:nvSpPr>
+        <p:spPr/>
+        <p:txBody>
+          <a:bodyPr/>
+          <a:lstStyle/>
+          <a:p>
+            <a:r>
+              <a:rPr lang="pt-BR" dirty="0"/>
+              <a:t>Referências</a:t>
+            </a:r>
+          </a:p>
+        </p:txBody>
+      </p:sp>
+      <p:sp>
+        <p:nvSpPr>
+          <p:cNvPr id="3" name="Espaço Reservado para Texto 2">
+            <a:extLst>
+              <a:ext uri="{FF2B5EF4-FFF2-40B4-BE49-F238E27FC236}">
+                <a16:creationId xmlns:a16="http://schemas.microsoft.com/office/drawing/2014/main" id="{6587B4C8-2D98-4BF5-9394-BCCAAEE90808}"/>
+              </a:ext>
+            </a:extLst>
+          </p:cNvPr>
+          <p:cNvSpPr>
+            <a:spLocks noGrp="1"/>
+          </p:cNvSpPr>
+          <p:nvPr>
+            <p:ph type="body" idx="1"/>
+          </p:nvPr>
+        </p:nvSpPr>
+        <p:spPr>
+          <a:xfrm>
+            <a:off x="1303800" y="1299701"/>
+            <a:ext cx="7030500" cy="2815099"/>
+          </a:xfrm>
+        </p:spPr>
+        <p:txBody>
+          <a:bodyPr/>
+          <a:lstStyle/>
+          <a:p>
+            <a:pPr marL="146050" indent="0">
+              <a:buNone/>
+            </a:pPr>
+            <a:r>
+              <a:rPr lang="pt-BR" sz="1200" dirty="0"/>
+              <a:t>MELLO, I. MODELAGEM DE DADOS: FORMAS NORMAIS. Acessado em 26 de maio de 2020. Disponível em: &lt;</a:t>
+            </a:r>
+            <a:r>
+              <a:rPr lang="pt-BR" sz="1200" u="sng" dirty="0">
+                <a:hlinkClick r:id="rId2"/>
+              </a:rPr>
+              <a:t>http://www.consultoriadba.com/post/2016/05/10/modelagem-de-dados-formas-normais</a:t>
+            </a:r>
+            <a:r>
+              <a:rPr lang="pt-BR" sz="1200" dirty="0"/>
+              <a:t>&gt;. </a:t>
+            </a:r>
+            <a:br>
+              <a:rPr lang="pt-BR" sz="1200" dirty="0"/>
+            </a:br>
+            <a:endParaRPr lang="pt-BR" sz="1200" dirty="0"/>
+          </a:p>
+          <a:p>
+            <a:pPr marL="146050" indent="0">
+              <a:buNone/>
+            </a:pPr>
+            <a:r>
+              <a:rPr lang="pt-BR" sz="1200" dirty="0"/>
+              <a:t>MICROSOFT. CREATE INDEX (TRANSACT-SQL). Acessado em 22 de junho de 2020. Disponível em: &lt; </a:t>
+            </a:r>
+            <a:r>
+              <a:rPr lang="pt-BR" sz="1200" u="sng" dirty="0">
+                <a:hlinkClick r:id="rId3"/>
+              </a:rPr>
+              <a:t>https://docs.microsoft.com/</a:t>
+            </a:r>
+            <a:r>
+              <a:rPr lang="pt-BR" sz="1200" u="sng" dirty="0" err="1">
+                <a:hlinkClick r:id="rId3"/>
+              </a:rPr>
+              <a:t>pt-br</a:t>
+            </a:r>
+            <a:r>
+              <a:rPr lang="pt-BR" sz="1200" u="sng" dirty="0">
+                <a:hlinkClick r:id="rId3"/>
+              </a:rPr>
+              <a:t>/</a:t>
+            </a:r>
+            <a:r>
+              <a:rPr lang="pt-BR" sz="1200" u="sng" dirty="0" err="1">
+                <a:hlinkClick r:id="rId3"/>
+              </a:rPr>
+              <a:t>sql</a:t>
+            </a:r>
+            <a:r>
+              <a:rPr lang="pt-BR" sz="1200" u="sng" dirty="0">
+                <a:hlinkClick r:id="rId3"/>
+              </a:rPr>
+              <a:t>/t-</a:t>
+            </a:r>
+            <a:r>
+              <a:rPr lang="pt-BR" sz="1200" u="sng" dirty="0" err="1">
+                <a:hlinkClick r:id="rId3"/>
+              </a:rPr>
+              <a:t>sql</a:t>
+            </a:r>
+            <a:r>
+              <a:rPr lang="pt-BR" sz="1200" u="sng" dirty="0">
+                <a:hlinkClick r:id="rId3"/>
+              </a:rPr>
+              <a:t>/</a:t>
+            </a:r>
+            <a:r>
+              <a:rPr lang="pt-BR" sz="1200" u="sng" dirty="0" err="1">
+                <a:hlinkClick r:id="rId3"/>
+              </a:rPr>
+              <a:t>statements</a:t>
+            </a:r>
+            <a:r>
+              <a:rPr lang="pt-BR" sz="1200" u="sng" dirty="0">
+                <a:hlinkClick r:id="rId3"/>
+              </a:rPr>
+              <a:t>/</a:t>
+            </a:r>
+            <a:r>
+              <a:rPr lang="pt-BR" sz="1200" u="sng" dirty="0" err="1">
+                <a:hlinkClick r:id="rId3"/>
+              </a:rPr>
+              <a:t>create-index-transact-sql?view</a:t>
+            </a:r>
+            <a:r>
+              <a:rPr lang="pt-BR" sz="1200" u="sng" dirty="0">
+                <a:hlinkClick r:id="rId3"/>
+              </a:rPr>
+              <a:t>=sql-server-ver15</a:t>
+            </a:r>
+            <a:r>
+              <a:rPr lang="pt-BR" sz="1200" dirty="0"/>
+              <a:t>&gt;. </a:t>
+            </a:r>
+            <a:br>
+              <a:rPr lang="pt-BR" sz="1200" dirty="0"/>
+            </a:br>
+            <a:endParaRPr lang="pt-BR" sz="1200" dirty="0"/>
+          </a:p>
+          <a:p>
+            <a:pPr marL="146050" indent="0">
+              <a:buNone/>
+            </a:pPr>
+            <a:r>
+              <a:rPr lang="pt-BR" sz="1200" dirty="0"/>
+              <a:t>MICROSOFT. GUIA DE ARQUITETURA E DESIGN DE ÍNDICES DO SQL SERVER. Acessado em 6 de fevereiro de 2020. Disponível em: &lt;</a:t>
+            </a:r>
+            <a:r>
+              <a:rPr lang="pt-BR" sz="1200" u="sng" dirty="0">
+                <a:hlinkClick r:id="rId4"/>
+              </a:rPr>
+              <a:t>https://docs.microsoft.com/</a:t>
+            </a:r>
+            <a:r>
+              <a:rPr lang="pt-BR" sz="1200" u="sng" dirty="0" err="1">
+                <a:hlinkClick r:id="rId4"/>
+              </a:rPr>
+              <a:t>pt-br</a:t>
+            </a:r>
+            <a:r>
+              <a:rPr lang="pt-BR" sz="1200" u="sng" dirty="0">
+                <a:hlinkClick r:id="rId4"/>
+              </a:rPr>
+              <a:t>/</a:t>
+            </a:r>
+            <a:r>
+              <a:rPr lang="pt-BR" sz="1200" u="sng" dirty="0" err="1">
+                <a:hlinkClick r:id="rId4"/>
+              </a:rPr>
+              <a:t>sql</a:t>
+            </a:r>
+            <a:r>
+              <a:rPr lang="pt-BR" sz="1200" u="sng" dirty="0">
+                <a:hlinkClick r:id="rId4"/>
+              </a:rPr>
+              <a:t>/</a:t>
+            </a:r>
+            <a:r>
+              <a:rPr lang="pt-BR" sz="1200" u="sng" dirty="0" err="1">
+                <a:hlinkClick r:id="rId4"/>
+              </a:rPr>
+              <a:t>relational-databases</a:t>
+            </a:r>
+            <a:r>
+              <a:rPr lang="pt-BR" sz="1200" u="sng" dirty="0">
+                <a:hlinkClick r:id="rId4"/>
+              </a:rPr>
+              <a:t>/</a:t>
+            </a:r>
+            <a:r>
+              <a:rPr lang="pt-BR" sz="1200" u="sng" dirty="0" err="1">
+                <a:hlinkClick r:id="rId4"/>
+              </a:rPr>
+              <a:t>sql-server-index-design-guide?view</a:t>
+            </a:r>
+            <a:r>
+              <a:rPr lang="pt-BR" sz="1200" u="sng" dirty="0">
+                <a:hlinkClick r:id="rId4"/>
+              </a:rPr>
+              <a:t>=sql-server-ver15</a:t>
+            </a:r>
+            <a:r>
+              <a:rPr lang="pt-BR" sz="1200" dirty="0"/>
+              <a:t>&gt;.</a:t>
+            </a:r>
+          </a:p>
+          <a:p>
+            <a:pPr marL="146050" indent="0">
+              <a:buNone/>
+            </a:pPr>
+            <a:endParaRPr lang="pt-BR" sz="1200" dirty="0"/>
+          </a:p>
+          <a:p>
+            <a:pPr marL="146050" indent="0">
+              <a:buNone/>
+            </a:pPr>
+            <a:r>
+              <a:rPr lang="pt-BR" sz="1200" dirty="0"/>
+              <a:t>MICROSOFT. Guia de arquitetura de página e extensões. Acessado em 15 de junho de 2020. Disponível em: &lt;</a:t>
+            </a:r>
+            <a:r>
+              <a:rPr lang="pt-BR" sz="1200" u="sng" dirty="0">
+                <a:hlinkClick r:id="rId5"/>
+              </a:rPr>
+              <a:t>https://docs.microsoft.com/</a:t>
+            </a:r>
+            <a:r>
+              <a:rPr lang="pt-BR" sz="1200" u="sng" dirty="0" err="1">
+                <a:hlinkClick r:id="rId5"/>
+              </a:rPr>
+              <a:t>pt-br</a:t>
+            </a:r>
+            <a:r>
+              <a:rPr lang="pt-BR" sz="1200" u="sng" dirty="0">
+                <a:hlinkClick r:id="rId5"/>
+              </a:rPr>
+              <a:t>/</a:t>
+            </a:r>
+            <a:r>
+              <a:rPr lang="pt-BR" sz="1200" u="sng" dirty="0" err="1">
+                <a:hlinkClick r:id="rId5"/>
+              </a:rPr>
+              <a:t>sql</a:t>
+            </a:r>
+            <a:r>
+              <a:rPr lang="pt-BR" sz="1200" u="sng" dirty="0">
+                <a:hlinkClick r:id="rId5"/>
+              </a:rPr>
+              <a:t>/</a:t>
+            </a:r>
+            <a:r>
+              <a:rPr lang="pt-BR" sz="1200" u="sng" dirty="0" err="1">
+                <a:hlinkClick r:id="rId5"/>
+              </a:rPr>
+              <a:t>relational-databases</a:t>
+            </a:r>
+            <a:r>
+              <a:rPr lang="pt-BR" sz="1200" u="sng" dirty="0">
+                <a:hlinkClick r:id="rId5"/>
+              </a:rPr>
+              <a:t>/</a:t>
+            </a:r>
+            <a:r>
+              <a:rPr lang="pt-BR" sz="1200" u="sng" dirty="0" err="1">
+                <a:hlinkClick r:id="rId5"/>
+              </a:rPr>
+              <a:t>pages-and-extents-architecture-guide?view</a:t>
+            </a:r>
+            <a:r>
+              <a:rPr lang="pt-BR" sz="1200" u="sng" dirty="0">
+                <a:hlinkClick r:id="rId5"/>
+              </a:rPr>
+              <a:t>=sql-server-ver15</a:t>
+            </a:r>
+            <a:r>
+              <a:rPr lang="pt-BR" sz="1200" dirty="0"/>
+              <a:t>&gt;.</a:t>
+            </a:r>
+          </a:p>
+        </p:txBody>
+      </p:sp>
+    </p:spTree>
+    <p:extLst>
+      <p:ext uri="{BB962C8B-B14F-4D97-AF65-F5344CB8AC3E}">
+        <p14:creationId xmlns:p14="http://schemas.microsoft.com/office/powerpoint/2010/main" val="988090885"/>
+      </p:ext>
+    </p:extLst>
+  </p:cSld>
+  <p:clrMapOvr>
+    <a:masterClrMapping/>
+  </p:clrMapOvr>
+</p:sld>
+</file>
+
+<file path=ppt/slides/slide16.xml><?xml version="1.0" encoding="utf-8"?>
+<p:sld xmlns:a="http://schemas.openxmlformats.org/drawingml/2006/main" xmlns:r="http://schemas.openxmlformats.org/officeDocument/2006/relationships" xmlns:p="http://schemas.openxmlformats.org/presentationml/2006/main">
+  <p:cSld>
+    <p:spTree>
+      <p:nvGrpSpPr>
+        <p:cNvPr id="1" name=""/>
+        <p:cNvGrpSpPr/>
+        <p:nvPr/>
+      </p:nvGrpSpPr>
+      <p:grpSpPr>
+        <a:xfrm>
+          <a:off x="0" y="0"/>
+          <a:ext cx="0" cy="0"/>
+          <a:chOff x="0" y="0"/>
+          <a:chExt cx="0" cy="0"/>
+        </a:xfrm>
+      </p:grpSpPr>
+      <p:sp>
+        <p:nvSpPr>
+          <p:cNvPr id="2" name="Título 1">
+            <a:extLst>
+              <a:ext uri="{FF2B5EF4-FFF2-40B4-BE49-F238E27FC236}">
+                <a16:creationId xmlns:a16="http://schemas.microsoft.com/office/drawing/2014/main" id="{8B234123-D602-4B45-B9D2-83E6CDF202C5}"/>
+              </a:ext>
+            </a:extLst>
+          </p:cNvPr>
+          <p:cNvSpPr>
+            <a:spLocks noGrp="1"/>
+          </p:cNvSpPr>
+          <p:nvPr>
+            <p:ph type="title"/>
+          </p:nvPr>
+        </p:nvSpPr>
+        <p:spPr/>
+        <p:txBody>
+          <a:bodyPr/>
+          <a:lstStyle/>
+          <a:p>
+            <a:r>
+              <a:rPr lang="pt-BR" dirty="0"/>
+              <a:t>Referências</a:t>
+            </a:r>
+          </a:p>
+        </p:txBody>
+      </p:sp>
+      <p:sp>
+        <p:nvSpPr>
+          <p:cNvPr id="3" name="Espaço Reservado para Texto 2">
+            <a:extLst>
+              <a:ext uri="{FF2B5EF4-FFF2-40B4-BE49-F238E27FC236}">
+                <a16:creationId xmlns:a16="http://schemas.microsoft.com/office/drawing/2014/main" id="{6587B4C8-2D98-4BF5-9394-BCCAAEE90808}"/>
+              </a:ext>
+            </a:extLst>
+          </p:cNvPr>
+          <p:cNvSpPr>
+            <a:spLocks noGrp="1"/>
+          </p:cNvSpPr>
+          <p:nvPr>
+            <p:ph type="body" idx="1"/>
+          </p:nvPr>
+        </p:nvSpPr>
+        <p:spPr>
+          <a:xfrm>
+            <a:off x="1303800" y="1392466"/>
+            <a:ext cx="7030500" cy="3152459"/>
+          </a:xfrm>
+        </p:spPr>
+        <p:txBody>
+          <a:bodyPr/>
+          <a:lstStyle/>
+          <a:p>
+            <a:pPr marL="146050" indent="0">
+              <a:buNone/>
+            </a:pPr>
+            <a:r>
+              <a:rPr lang="pt-BR" sz="1200" dirty="0"/>
+              <a:t>MICROSOFT. Índices </a:t>
+            </a:r>
+            <a:r>
+              <a:rPr lang="pt-BR" sz="1200" dirty="0" err="1"/>
+              <a:t>clusterizados</a:t>
+            </a:r>
+            <a:r>
+              <a:rPr lang="pt-BR" sz="1200" dirty="0"/>
+              <a:t> e não </a:t>
+            </a:r>
+            <a:r>
+              <a:rPr lang="pt-BR" sz="1200" dirty="0" err="1"/>
+              <a:t>clusterizados</a:t>
+            </a:r>
+            <a:r>
+              <a:rPr lang="pt-BR" sz="1200" dirty="0"/>
+              <a:t> descritos. Acessado em 7 de julho de 2020. Disponível em: &lt; </a:t>
+            </a:r>
+            <a:r>
+              <a:rPr lang="pt-BR" sz="1200" u="sng" dirty="0">
+                <a:hlinkClick r:id="rId2"/>
+              </a:rPr>
+              <a:t>https://docs.microsoft.com/</a:t>
+            </a:r>
+            <a:r>
+              <a:rPr lang="pt-BR" sz="1200" u="sng" dirty="0" err="1">
+                <a:hlinkClick r:id="rId2"/>
+              </a:rPr>
+              <a:t>pt-br</a:t>
+            </a:r>
+            <a:r>
+              <a:rPr lang="pt-BR" sz="1200" u="sng" dirty="0">
+                <a:hlinkClick r:id="rId2"/>
+              </a:rPr>
+              <a:t>/</a:t>
+            </a:r>
+            <a:r>
+              <a:rPr lang="pt-BR" sz="1200" u="sng" dirty="0" err="1">
+                <a:hlinkClick r:id="rId2"/>
+              </a:rPr>
+              <a:t>sql</a:t>
+            </a:r>
+            <a:r>
+              <a:rPr lang="pt-BR" sz="1200" u="sng" dirty="0">
+                <a:hlinkClick r:id="rId2"/>
+              </a:rPr>
+              <a:t>/</a:t>
+            </a:r>
+            <a:r>
+              <a:rPr lang="pt-BR" sz="1200" u="sng" dirty="0" err="1">
+                <a:hlinkClick r:id="rId2"/>
+              </a:rPr>
+              <a:t>relational-databases</a:t>
+            </a:r>
+            <a:r>
+              <a:rPr lang="pt-BR" sz="1200" u="sng" dirty="0">
+                <a:hlinkClick r:id="rId2"/>
+              </a:rPr>
+              <a:t>/indexes/</a:t>
+            </a:r>
+            <a:r>
+              <a:rPr lang="pt-BR" sz="1200" u="sng" dirty="0" err="1">
+                <a:hlinkClick r:id="rId2"/>
+              </a:rPr>
+              <a:t>clustered-and-nonclustered-indexes-described?view</a:t>
+            </a:r>
+            <a:r>
+              <a:rPr lang="pt-BR" sz="1200" u="sng" dirty="0">
+                <a:hlinkClick r:id="rId2"/>
+              </a:rPr>
+              <a:t>=sql-server-2017</a:t>
+            </a:r>
+            <a:r>
+              <a:rPr lang="pt-BR" sz="1200" dirty="0"/>
+              <a:t>&gt;.</a:t>
+            </a:r>
+          </a:p>
+          <a:p>
+            <a:pPr marL="146050" indent="0">
+              <a:buNone/>
+            </a:pPr>
+            <a:endParaRPr lang="pt-BR" sz="1200" dirty="0"/>
+          </a:p>
+          <a:p>
+            <a:pPr marL="146050" indent="0">
+              <a:buNone/>
+            </a:pPr>
+            <a:r>
+              <a:rPr lang="pt-BR" sz="1200" dirty="0"/>
+              <a:t>MICROSOFT. SQL SERVER 2019. Acessado em 13 de junho de 2020. Disponível em &lt;</a:t>
+            </a:r>
+            <a:r>
+              <a:rPr lang="pt-BR" sz="1200" u="sng" dirty="0">
+                <a:hlinkClick r:id="rId3"/>
+              </a:rPr>
+              <a:t>https://www.microsoft.com/</a:t>
+            </a:r>
+            <a:r>
+              <a:rPr lang="pt-BR" sz="1200" u="sng" dirty="0" err="1">
+                <a:hlinkClick r:id="rId3"/>
+              </a:rPr>
+              <a:t>pt-br</a:t>
+            </a:r>
+            <a:r>
+              <a:rPr lang="pt-BR" sz="1200" u="sng" dirty="0">
+                <a:hlinkClick r:id="rId3"/>
+              </a:rPr>
+              <a:t>/</a:t>
+            </a:r>
+            <a:r>
+              <a:rPr lang="pt-BR" sz="1200" u="sng" dirty="0" err="1">
+                <a:hlinkClick r:id="rId3"/>
+              </a:rPr>
+              <a:t>sql</a:t>
+            </a:r>
+            <a:r>
+              <a:rPr lang="pt-BR" sz="1200" u="sng" dirty="0">
+                <a:hlinkClick r:id="rId3"/>
+              </a:rPr>
+              <a:t>-server/sql-server-2019</a:t>
+            </a:r>
+            <a:r>
+              <a:rPr lang="pt-BR" sz="1200" dirty="0"/>
+              <a:t>&gt;.</a:t>
+            </a:r>
+          </a:p>
+          <a:p>
+            <a:pPr marL="146050" indent="0">
+              <a:buNone/>
+            </a:pPr>
+            <a:br>
+              <a:rPr lang="pt-BR" sz="1200" dirty="0"/>
+            </a:br>
+            <a:r>
+              <a:rPr lang="pt-BR" sz="1200" dirty="0"/>
+              <a:t>PACIEVITCH, Y. SQL SERVER. Acessado em 13 de junho de 2020. Disponível em: &lt;</a:t>
+            </a:r>
+            <a:r>
+              <a:rPr lang="pt-BR" sz="1200" u="sng" dirty="0">
+                <a:hlinkClick r:id="rId4"/>
+              </a:rPr>
+              <a:t>https://www.infoescola.com/</a:t>
+            </a:r>
+            <a:r>
+              <a:rPr lang="pt-BR" sz="1200" u="sng" dirty="0" err="1">
+                <a:hlinkClick r:id="rId4"/>
+              </a:rPr>
+              <a:t>informatica</a:t>
+            </a:r>
+            <a:r>
+              <a:rPr lang="pt-BR" sz="1200" u="sng" dirty="0">
+                <a:hlinkClick r:id="rId4"/>
+              </a:rPr>
+              <a:t>/</a:t>
+            </a:r>
+            <a:r>
+              <a:rPr lang="pt-BR" sz="1200" u="sng" dirty="0" err="1">
+                <a:hlinkClick r:id="rId4"/>
+              </a:rPr>
+              <a:t>sql</a:t>
+            </a:r>
+            <a:r>
+              <a:rPr lang="pt-BR" sz="1200" u="sng" dirty="0">
+                <a:hlinkClick r:id="rId4"/>
+              </a:rPr>
+              <a:t>-server/#:~:</a:t>
+            </a:r>
+            <a:r>
+              <a:rPr lang="pt-BR" sz="1200" u="sng" dirty="0" err="1">
+                <a:hlinkClick r:id="rId4"/>
+              </a:rPr>
+              <a:t>text</a:t>
+            </a:r>
+            <a:r>
+              <a:rPr lang="pt-BR" sz="1200" u="sng" dirty="0">
+                <a:hlinkClick r:id="rId4"/>
+              </a:rPr>
+              <a:t>=O%20SQL%20Server%20%C3%A9%20um,melhorar%20o%20programa%20ap%C3%B3s%20isto.</a:t>
+            </a:r>
+            <a:r>
+              <a:rPr lang="pt-BR" sz="1200" dirty="0"/>
+              <a:t>&gt;.</a:t>
+            </a:r>
+          </a:p>
+          <a:p>
+            <a:pPr marL="146050" indent="0">
+              <a:buNone/>
+            </a:pPr>
+            <a:endParaRPr lang="pt-BR" sz="1200" dirty="0"/>
+          </a:p>
+          <a:p>
+            <a:pPr marL="146050" indent="0">
+              <a:buNone/>
+            </a:pPr>
+            <a:r>
+              <a:rPr lang="pt-BR" sz="1200" dirty="0"/>
+              <a:t>REZENDE, R. A HISTÓRIA DOS BANCO DE DADOS. Acessado em 3 de março de 2020. Disponível em: &lt;</a:t>
+            </a:r>
+            <a:r>
+              <a:rPr lang="pt-BR" sz="1200" u="sng" dirty="0">
+                <a:hlinkClick r:id="rId5"/>
+              </a:rPr>
+              <a:t>https://www.devmedia.com.br/a-historia-dos-banco-de-dados/1678</a:t>
+            </a:r>
+            <a:r>
+              <a:rPr lang="pt-BR" sz="1200" dirty="0"/>
+              <a:t>&gt;.</a:t>
+            </a:r>
+          </a:p>
+        </p:txBody>
+      </p:sp>
+    </p:spTree>
+    <p:extLst>
+      <p:ext uri="{BB962C8B-B14F-4D97-AF65-F5344CB8AC3E}">
+        <p14:creationId xmlns:p14="http://schemas.microsoft.com/office/powerpoint/2010/main" val="579425510"/>
+      </p:ext>
+    </p:extLst>
+  </p:cSld>
+  <p:clrMapOvr>
+    <a:masterClrMapping/>
+  </p:clrMapOvr>
+</p:sld>
+</file>
+
+<file path=ppt/slides/slide17.xml><?xml version="1.0" encoding="utf-8"?>
+<p:sld xmlns:a="http://schemas.openxmlformats.org/drawingml/2006/main" xmlns:r="http://schemas.openxmlformats.org/officeDocument/2006/relationships" xmlns:p="http://schemas.openxmlformats.org/presentationml/2006/main">
+  <p:cSld>
+    <p:spTree>
+      <p:nvGrpSpPr>
+        <p:cNvPr id="1" name=""/>
+        <p:cNvGrpSpPr/>
+        <p:nvPr/>
+      </p:nvGrpSpPr>
+      <p:grpSpPr>
+        <a:xfrm>
+          <a:off x="0" y="0"/>
+          <a:ext cx="0" cy="0"/>
+          <a:chOff x="0" y="0"/>
+          <a:chExt cx="0" cy="0"/>
+        </a:xfrm>
+      </p:grpSpPr>
+      <p:sp>
+        <p:nvSpPr>
+          <p:cNvPr id="2" name="Título 1">
+            <a:extLst>
+              <a:ext uri="{FF2B5EF4-FFF2-40B4-BE49-F238E27FC236}">
+                <a16:creationId xmlns:a16="http://schemas.microsoft.com/office/drawing/2014/main" id="{8B234123-D602-4B45-B9D2-83E6CDF202C5}"/>
+              </a:ext>
+            </a:extLst>
+          </p:cNvPr>
+          <p:cNvSpPr>
+            <a:spLocks noGrp="1"/>
+          </p:cNvSpPr>
+          <p:nvPr>
+            <p:ph type="title"/>
+          </p:nvPr>
+        </p:nvSpPr>
+        <p:spPr/>
+        <p:txBody>
+          <a:bodyPr/>
+          <a:lstStyle/>
+          <a:p>
+            <a:r>
+              <a:rPr lang="pt-BR" dirty="0"/>
+              <a:t>Referências</a:t>
+            </a:r>
+          </a:p>
+        </p:txBody>
+      </p:sp>
+      <p:sp>
+        <p:nvSpPr>
+          <p:cNvPr id="3" name="Espaço Reservado para Texto 2">
+            <a:extLst>
+              <a:ext uri="{FF2B5EF4-FFF2-40B4-BE49-F238E27FC236}">
+                <a16:creationId xmlns:a16="http://schemas.microsoft.com/office/drawing/2014/main" id="{6587B4C8-2D98-4BF5-9394-BCCAAEE90808}"/>
+              </a:ext>
+            </a:extLst>
+          </p:cNvPr>
+          <p:cNvSpPr>
+            <a:spLocks noGrp="1"/>
+          </p:cNvSpPr>
+          <p:nvPr>
+            <p:ph type="body" idx="1"/>
+          </p:nvPr>
+        </p:nvSpPr>
+        <p:spPr>
+          <a:xfrm>
+            <a:off x="1303800" y="1392466"/>
+            <a:ext cx="7030500" cy="3152459"/>
+          </a:xfrm>
+        </p:spPr>
+        <p:txBody>
+          <a:bodyPr/>
+          <a:lstStyle/>
+          <a:p>
+            <a:pPr marL="146050" indent="0">
+              <a:buNone/>
+            </a:pPr>
+            <a:r>
+              <a:rPr lang="pt-BR" sz="1200" dirty="0"/>
+              <a:t>RODRIGUES, J. Índices MySQL: Otimização de consultas. Acessado em 7 de julho de 2020. Disponível em: &lt; </a:t>
+            </a:r>
+            <a:r>
+              <a:rPr lang="pt-BR" sz="1200" u="sng" dirty="0">
+                <a:hlinkClick r:id="rId2"/>
+              </a:rPr>
+              <a:t>http://www.linhadecodigo.com.br/artigo/3620/indices-mysql-otimizacao-de-consultas.aspx</a:t>
+            </a:r>
+            <a:r>
+              <a:rPr lang="pt-BR" sz="1200" dirty="0"/>
+              <a:t>&gt;.</a:t>
+            </a:r>
+          </a:p>
+          <a:p>
+            <a:pPr marL="146050" indent="0">
+              <a:buNone/>
+            </a:pPr>
+            <a:endParaRPr lang="pt-BR" sz="1200" dirty="0"/>
+          </a:p>
+          <a:p>
+            <a:pPr marL="146050" indent="0">
+              <a:buNone/>
+            </a:pPr>
+            <a:r>
+              <a:rPr lang="pt-BR" sz="1200" dirty="0"/>
+              <a:t>SANCHES, A. R. DISCIPLINA: FUNDAMENTOS DE ARMAZENAMENTO E MANIPULAÇÃO DE DADOS. Acessado em 8 de abril de 2020. Disponível em: &lt;</a:t>
+            </a:r>
+            <a:r>
+              <a:rPr lang="pt-BR" sz="1200" u="sng" dirty="0">
+                <a:hlinkClick r:id="rId3"/>
+              </a:rPr>
+              <a:t>https://www.ime.usp.br/~</a:t>
+            </a:r>
+            <a:r>
+              <a:rPr lang="pt-BR" sz="1200" u="sng" dirty="0" err="1">
+                <a:hlinkClick r:id="rId3"/>
+              </a:rPr>
+              <a:t>andrers</a:t>
+            </a:r>
+            <a:r>
+              <a:rPr lang="pt-BR" sz="1200" u="sng" dirty="0">
+                <a:hlinkClick r:id="rId3"/>
+              </a:rPr>
+              <a:t>/aulas/bd2005-1/aula3.html</a:t>
+            </a:r>
+            <a:r>
+              <a:rPr lang="pt-BR" sz="1200" dirty="0"/>
+              <a:t>&gt;. </a:t>
+            </a:r>
+          </a:p>
+          <a:p>
+            <a:pPr marL="146050" indent="0">
+              <a:buNone/>
+            </a:pPr>
+            <a:br>
+              <a:rPr lang="pt-BR" sz="1200" dirty="0"/>
+            </a:br>
+            <a:r>
+              <a:rPr lang="pt-BR" sz="1200" dirty="0"/>
+              <a:t>SILVA, D. TECNOLOGIA - BANCO DE DADOS. Acessado em 20 de maio de 2020. Disponível em: &lt;</a:t>
+            </a:r>
+            <a:r>
+              <a:rPr lang="pt-BR" sz="1200" u="sng" dirty="0">
+                <a:hlinkClick r:id="rId4"/>
+              </a:rPr>
+              <a:t>https://www.estudopratico.com.br/banco-de-dados/</a:t>
+            </a:r>
+            <a:r>
+              <a:rPr lang="pt-BR" sz="1200" dirty="0"/>
+              <a:t>&gt;.</a:t>
+            </a:r>
+          </a:p>
+          <a:p>
+            <a:pPr marL="146050" indent="0">
+              <a:buNone/>
+            </a:pPr>
+            <a:endParaRPr lang="pt-BR" sz="1200" dirty="0"/>
+          </a:p>
+          <a:p>
+            <a:pPr marL="146050" indent="0">
+              <a:buNone/>
+            </a:pPr>
+            <a:r>
+              <a:rPr lang="pt-BR" sz="1200" dirty="0"/>
+              <a:t>TUTIDA, D. O QUE É SEGURANÇA DE DADOS: DEFINIÇÃO, APLICAÇÃO E TÉCNICAS. Acessado em 10 de outubro de 2020. Disponível em: &lt;</a:t>
+            </a:r>
+            <a:r>
+              <a:rPr lang="pt-BR" sz="1200" u="sng" dirty="0">
+                <a:hlinkClick r:id="rId5"/>
+              </a:rPr>
+              <a:t>https://encontreumnerd.com.br/blog/o-que-e-</a:t>
+            </a:r>
+            <a:r>
+              <a:rPr lang="pt-BR" sz="1200" u="sng" dirty="0" err="1">
+                <a:hlinkClick r:id="rId5"/>
+              </a:rPr>
+              <a:t>seguranca</a:t>
+            </a:r>
+            <a:r>
+              <a:rPr lang="pt-BR" sz="1200" u="sng" dirty="0">
+                <a:hlinkClick r:id="rId5"/>
+              </a:rPr>
+              <a:t>-</a:t>
+            </a:r>
+            <a:r>
+              <a:rPr lang="pt-BR" sz="1200" u="sng" dirty="0" err="1">
+                <a:hlinkClick r:id="rId5"/>
+              </a:rPr>
+              <a:t>de-dados</a:t>
+            </a:r>
+            <a:r>
+              <a:rPr lang="pt-BR" sz="1200" dirty="0"/>
+              <a:t>&gt;.</a:t>
+            </a:r>
+          </a:p>
+          <a:p>
+            <a:pPr marL="146050" indent="0">
+              <a:buNone/>
+            </a:pPr>
+            <a:endParaRPr lang="pt-BR" sz="1200" dirty="0"/>
+          </a:p>
+          <a:p>
+            <a:pPr marL="146050" indent="0">
+              <a:buNone/>
+            </a:pPr>
+            <a:endParaRPr lang="pt-BR" sz="1200" dirty="0"/>
+          </a:p>
+          <a:p>
+            <a:pPr marL="146050" indent="0">
+              <a:buNone/>
+            </a:pPr>
+            <a:endParaRPr lang="pt-BR" sz="1200" dirty="0"/>
+          </a:p>
+          <a:p>
+            <a:pPr marL="146050" indent="0">
+              <a:buNone/>
+            </a:pPr>
+            <a:endParaRPr lang="pt-BR" sz="1200" dirty="0"/>
+          </a:p>
+        </p:txBody>
+      </p:sp>
+    </p:spTree>
+    <p:extLst>
+      <p:ext uri="{BB962C8B-B14F-4D97-AF65-F5344CB8AC3E}">
+        <p14:creationId xmlns:p14="http://schemas.microsoft.com/office/powerpoint/2010/main" val="3298871521"/>
+      </p:ext>
+    </p:extLst>
+  </p:cSld>
+  <p:clrMapOvr>
+    <a:masterClrMapping/>
+  </p:clrMapOvr>
+</p:sld>
+</file>
+
 <file path=ppt/slides/slide2.xml><?xml version="1.0" encoding="utf-8"?>
 <p:sld xmlns:a="http://schemas.openxmlformats.org/drawingml/2006/main" xmlns:r="http://schemas.openxmlformats.org/officeDocument/2006/relationships" xmlns:p="http://schemas.openxmlformats.org/presentationml/2006/main">
   <p:cSld>

--- a/docs/Apresentação TCC.pptx
+++ b/docs/Apresentação TCC.pptx
@@ -288,6 +288,18 @@
     </p:ext>
   </p:extLst>
 </p:presentation>
+</file>
+
+<file path=ppt/commentAuthors.xml><?xml version="1.0" encoding="utf-8"?>
+<p:cmAuthorLst xmlns:a="http://schemas.openxmlformats.org/drawingml/2006/main" xmlns:r="http://schemas.openxmlformats.org/officeDocument/2006/relationships" xmlns:p="http://schemas.openxmlformats.org/presentationml/2006/main">
+  <p:cmAuthor id="1" name="Hideki" initials="H" lastIdx="2" clrIdx="0">
+    <p:extLst>
+      <p:ext uri="{19B8F6BF-5375-455C-9EA6-DF929625EA0E}">
+        <p15:presenceInfo xmlns:p15="http://schemas.microsoft.com/office/powerpoint/2012/main" userId="Hideki" providerId="None"/>
+      </p:ext>
+    </p:extLst>
+  </p:cmAuthor>
+</p:cmAuthorLst>
 </file>
 
 <file path=ppt/notesMasters/notesMaster1.xml><?xml version="1.0" encoding="utf-8"?>
@@ -835,6 +847,510 @@
 </p:notes>
 </file>
 
+<file path=ppt/notesSlides/notesSlide10.xml><?xml version="1.0" encoding="utf-8"?>
+<p:notes xmlns:a="http://schemas.openxmlformats.org/drawingml/2006/main" xmlns:r="http://schemas.openxmlformats.org/officeDocument/2006/relationships" xmlns:p="http://schemas.openxmlformats.org/presentationml/2006/main">
+  <p:cSld>
+    <p:spTree>
+      <p:nvGrpSpPr>
+        <p:cNvPr id="1" name=""/>
+        <p:cNvGrpSpPr/>
+        <p:nvPr/>
+      </p:nvGrpSpPr>
+      <p:grpSpPr>
+        <a:xfrm>
+          <a:off x="0" y="0"/>
+          <a:ext cx="0" cy="0"/>
+          <a:chOff x="0" y="0"/>
+          <a:chExt cx="0" cy="0"/>
+        </a:xfrm>
+      </p:grpSpPr>
+      <p:sp>
+        <p:nvSpPr>
+          <p:cNvPr id="2" name="Espaço Reservado para Imagem de Slide 1"/>
+          <p:cNvSpPr>
+            <a:spLocks noGrp="1" noRot="1" noChangeAspect="1"/>
+          </p:cNvSpPr>
+          <p:nvPr>
+            <p:ph type="sldImg"/>
+          </p:nvPr>
+        </p:nvSpPr>
+        <p:spPr/>
+      </p:sp>
+      <p:sp>
+        <p:nvSpPr>
+          <p:cNvPr id="3" name="Espaço Reservado para Anotações 2"/>
+          <p:cNvSpPr>
+            <a:spLocks noGrp="1"/>
+          </p:cNvSpPr>
+          <p:nvPr>
+            <p:ph type="body" idx="1"/>
+          </p:nvPr>
+        </p:nvSpPr>
+        <p:spPr/>
+        <p:txBody>
+          <a:bodyPr/>
+          <a:lstStyle/>
+          <a:p>
+            <a:endParaRPr lang="pt-BR"/>
+          </a:p>
+        </p:txBody>
+      </p:sp>
+    </p:spTree>
+    <p:extLst>
+      <p:ext uri="{BB962C8B-B14F-4D97-AF65-F5344CB8AC3E}">
+        <p14:creationId xmlns:p14="http://schemas.microsoft.com/office/powerpoint/2010/main" val="3197081522"/>
+      </p:ext>
+    </p:extLst>
+  </p:cSld>
+  <p:clrMapOvr>
+    <a:masterClrMapping/>
+  </p:clrMapOvr>
+</p:notes>
+</file>
+
+<file path=ppt/notesSlides/notesSlide11.xml><?xml version="1.0" encoding="utf-8"?>
+<p:notes xmlns:a="http://schemas.openxmlformats.org/drawingml/2006/main" xmlns:r="http://schemas.openxmlformats.org/officeDocument/2006/relationships" xmlns:p="http://schemas.openxmlformats.org/presentationml/2006/main">
+  <p:cSld>
+    <p:spTree>
+      <p:nvGrpSpPr>
+        <p:cNvPr id="1" name=""/>
+        <p:cNvGrpSpPr/>
+        <p:nvPr/>
+      </p:nvGrpSpPr>
+      <p:grpSpPr>
+        <a:xfrm>
+          <a:off x="0" y="0"/>
+          <a:ext cx="0" cy="0"/>
+          <a:chOff x="0" y="0"/>
+          <a:chExt cx="0" cy="0"/>
+        </a:xfrm>
+      </p:grpSpPr>
+      <p:sp>
+        <p:nvSpPr>
+          <p:cNvPr id="2" name="Espaço Reservado para Imagem de Slide 1"/>
+          <p:cNvSpPr>
+            <a:spLocks noGrp="1" noRot="1" noChangeAspect="1"/>
+          </p:cNvSpPr>
+          <p:nvPr>
+            <p:ph type="sldImg"/>
+          </p:nvPr>
+        </p:nvSpPr>
+        <p:spPr/>
+      </p:sp>
+      <p:sp>
+        <p:nvSpPr>
+          <p:cNvPr id="3" name="Espaço Reservado para Anotações 2"/>
+          <p:cNvSpPr>
+            <a:spLocks noGrp="1"/>
+          </p:cNvSpPr>
+          <p:nvPr>
+            <p:ph type="body" idx="1"/>
+          </p:nvPr>
+        </p:nvSpPr>
+        <p:spPr/>
+        <p:txBody>
+          <a:bodyPr/>
+          <a:lstStyle/>
+          <a:p>
+            <a:endParaRPr lang="pt-BR"/>
+          </a:p>
+        </p:txBody>
+      </p:sp>
+    </p:spTree>
+    <p:extLst>
+      <p:ext uri="{BB962C8B-B14F-4D97-AF65-F5344CB8AC3E}">
+        <p14:creationId xmlns:p14="http://schemas.microsoft.com/office/powerpoint/2010/main" val="3587925765"/>
+      </p:ext>
+    </p:extLst>
+  </p:cSld>
+  <p:clrMapOvr>
+    <a:masterClrMapping/>
+  </p:clrMapOvr>
+</p:notes>
+</file>
+
+<file path=ppt/notesSlides/notesSlide12.xml><?xml version="1.0" encoding="utf-8"?>
+<p:notes xmlns:a="http://schemas.openxmlformats.org/drawingml/2006/main" xmlns:r="http://schemas.openxmlformats.org/officeDocument/2006/relationships" xmlns:p="http://schemas.openxmlformats.org/presentationml/2006/main">
+  <p:cSld>
+    <p:spTree>
+      <p:nvGrpSpPr>
+        <p:cNvPr id="1" name=""/>
+        <p:cNvGrpSpPr/>
+        <p:nvPr/>
+      </p:nvGrpSpPr>
+      <p:grpSpPr>
+        <a:xfrm>
+          <a:off x="0" y="0"/>
+          <a:ext cx="0" cy="0"/>
+          <a:chOff x="0" y="0"/>
+          <a:chExt cx="0" cy="0"/>
+        </a:xfrm>
+      </p:grpSpPr>
+      <p:sp>
+        <p:nvSpPr>
+          <p:cNvPr id="2" name="Espaço Reservado para Imagem de Slide 1"/>
+          <p:cNvSpPr>
+            <a:spLocks noGrp="1" noRot="1" noChangeAspect="1"/>
+          </p:cNvSpPr>
+          <p:nvPr>
+            <p:ph type="sldImg"/>
+          </p:nvPr>
+        </p:nvSpPr>
+        <p:spPr/>
+      </p:sp>
+      <p:sp>
+        <p:nvSpPr>
+          <p:cNvPr id="3" name="Espaço Reservado para Anotações 2"/>
+          <p:cNvSpPr>
+            <a:spLocks noGrp="1"/>
+          </p:cNvSpPr>
+          <p:nvPr>
+            <p:ph type="body" idx="1"/>
+          </p:nvPr>
+        </p:nvSpPr>
+        <p:spPr/>
+        <p:txBody>
+          <a:bodyPr/>
+          <a:lstStyle/>
+          <a:p>
+            <a:endParaRPr lang="pt-BR"/>
+          </a:p>
+        </p:txBody>
+      </p:sp>
+    </p:spTree>
+    <p:extLst>
+      <p:ext uri="{BB962C8B-B14F-4D97-AF65-F5344CB8AC3E}">
+        <p14:creationId xmlns:p14="http://schemas.microsoft.com/office/powerpoint/2010/main" val="4018453529"/>
+      </p:ext>
+    </p:extLst>
+  </p:cSld>
+  <p:clrMapOvr>
+    <a:masterClrMapping/>
+  </p:clrMapOvr>
+</p:notes>
+</file>
+
+<file path=ppt/notesSlides/notesSlide13.xml><?xml version="1.0" encoding="utf-8"?>
+<p:notes xmlns:a="http://schemas.openxmlformats.org/drawingml/2006/main" xmlns:r="http://schemas.openxmlformats.org/officeDocument/2006/relationships" xmlns:p="http://schemas.openxmlformats.org/presentationml/2006/main">
+  <p:cSld>
+    <p:spTree>
+      <p:nvGrpSpPr>
+        <p:cNvPr id="1" name=""/>
+        <p:cNvGrpSpPr/>
+        <p:nvPr/>
+      </p:nvGrpSpPr>
+      <p:grpSpPr>
+        <a:xfrm>
+          <a:off x="0" y="0"/>
+          <a:ext cx="0" cy="0"/>
+          <a:chOff x="0" y="0"/>
+          <a:chExt cx="0" cy="0"/>
+        </a:xfrm>
+      </p:grpSpPr>
+      <p:sp>
+        <p:nvSpPr>
+          <p:cNvPr id="2" name="Espaço Reservado para Imagem de Slide 1"/>
+          <p:cNvSpPr>
+            <a:spLocks noGrp="1" noRot="1" noChangeAspect="1"/>
+          </p:cNvSpPr>
+          <p:nvPr>
+            <p:ph type="sldImg"/>
+          </p:nvPr>
+        </p:nvSpPr>
+        <p:spPr>
+          <a:xfrm>
+            <a:off x="381000" y="685800"/>
+            <a:ext cx="6096000" cy="3429000"/>
+          </a:xfrm>
+        </p:spPr>
+      </p:sp>
+      <p:sp>
+        <p:nvSpPr>
+          <p:cNvPr id="3" name="Espaço Reservado para Anotações 2"/>
+          <p:cNvSpPr>
+            <a:spLocks noGrp="1"/>
+          </p:cNvSpPr>
+          <p:nvPr>
+            <p:ph type="body" idx="1"/>
+          </p:nvPr>
+        </p:nvSpPr>
+        <p:spPr/>
+        <p:txBody>
+          <a:bodyPr/>
+          <a:lstStyle/>
+          <a:p>
+            <a:pPr marL="158750" indent="0">
+              <a:buNone/>
+            </a:pPr>
+            <a:r>
+              <a:rPr lang="pt-BR" dirty="0"/>
+              <a:t>Foi possível concluir que a importância da performance das rotinas no banco de dados e isso torna-se ainda mais importante nos sistemas atuais, onde alguns segundos a mais pode deixar de converter uma venda em determinado sistema. Como resultado, foi possível entregar um software que realize validações de melhores práticas voltada ao banco de </a:t>
+            </a:r>
+            <a:r>
+              <a:rPr lang="pt-BR" dirty="0" err="1"/>
+              <a:t>dados.a</a:t>
+            </a:r>
+            <a:endParaRPr lang="pt-BR" dirty="0"/>
+          </a:p>
+        </p:txBody>
+      </p:sp>
+    </p:spTree>
+    <p:extLst>
+      <p:ext uri="{BB962C8B-B14F-4D97-AF65-F5344CB8AC3E}">
+        <p14:creationId xmlns:p14="http://schemas.microsoft.com/office/powerpoint/2010/main" val="1677846292"/>
+      </p:ext>
+    </p:extLst>
+  </p:cSld>
+  <p:clrMapOvr>
+    <a:masterClrMapping/>
+  </p:clrMapOvr>
+</p:notes>
+</file>
+
+<file path=ppt/notesSlides/notesSlide14.xml><?xml version="1.0" encoding="utf-8"?>
+<p:notes xmlns:a="http://schemas.openxmlformats.org/drawingml/2006/main" xmlns:r="http://schemas.openxmlformats.org/officeDocument/2006/relationships" xmlns:p="http://schemas.openxmlformats.org/presentationml/2006/main">
+  <p:cSld>
+    <p:spTree>
+      <p:nvGrpSpPr>
+        <p:cNvPr id="1" name=""/>
+        <p:cNvGrpSpPr/>
+        <p:nvPr/>
+      </p:nvGrpSpPr>
+      <p:grpSpPr>
+        <a:xfrm>
+          <a:off x="0" y="0"/>
+          <a:ext cx="0" cy="0"/>
+          <a:chOff x="0" y="0"/>
+          <a:chExt cx="0" cy="0"/>
+        </a:xfrm>
+      </p:grpSpPr>
+      <p:sp>
+        <p:nvSpPr>
+          <p:cNvPr id="2" name="Espaço Reservado para Imagem de Slide 1"/>
+          <p:cNvSpPr>
+            <a:spLocks noGrp="1" noRot="1" noChangeAspect="1"/>
+          </p:cNvSpPr>
+          <p:nvPr>
+            <p:ph type="sldImg"/>
+          </p:nvPr>
+        </p:nvSpPr>
+        <p:spPr/>
+      </p:sp>
+      <p:sp>
+        <p:nvSpPr>
+          <p:cNvPr id="3" name="Espaço Reservado para Anotações 2"/>
+          <p:cNvSpPr>
+            <a:spLocks noGrp="1"/>
+          </p:cNvSpPr>
+          <p:nvPr>
+            <p:ph type="body" idx="1"/>
+          </p:nvPr>
+        </p:nvSpPr>
+        <p:spPr/>
+        <p:txBody>
+          <a:bodyPr/>
+          <a:lstStyle/>
+          <a:p>
+            <a:endParaRPr lang="pt-BR"/>
+          </a:p>
+        </p:txBody>
+      </p:sp>
+    </p:spTree>
+    <p:extLst>
+      <p:ext uri="{BB962C8B-B14F-4D97-AF65-F5344CB8AC3E}">
+        <p14:creationId xmlns:p14="http://schemas.microsoft.com/office/powerpoint/2010/main" val="85137290"/>
+      </p:ext>
+    </p:extLst>
+  </p:cSld>
+  <p:clrMapOvr>
+    <a:masterClrMapping/>
+  </p:clrMapOvr>
+</p:notes>
+</file>
+
+<file path=ppt/notesSlides/notesSlide15.xml><?xml version="1.0" encoding="utf-8"?>
+<p:notes xmlns:a="http://schemas.openxmlformats.org/drawingml/2006/main" xmlns:r="http://schemas.openxmlformats.org/officeDocument/2006/relationships" xmlns:p="http://schemas.openxmlformats.org/presentationml/2006/main">
+  <p:cSld>
+    <p:spTree>
+      <p:nvGrpSpPr>
+        <p:cNvPr id="1" name=""/>
+        <p:cNvGrpSpPr/>
+        <p:nvPr/>
+      </p:nvGrpSpPr>
+      <p:grpSpPr>
+        <a:xfrm>
+          <a:off x="0" y="0"/>
+          <a:ext cx="0" cy="0"/>
+          <a:chOff x="0" y="0"/>
+          <a:chExt cx="0" cy="0"/>
+        </a:xfrm>
+      </p:grpSpPr>
+      <p:sp>
+        <p:nvSpPr>
+          <p:cNvPr id="2" name="Espaço Reservado para Imagem de Slide 1"/>
+          <p:cNvSpPr>
+            <a:spLocks noGrp="1" noRot="1" noChangeAspect="1"/>
+          </p:cNvSpPr>
+          <p:nvPr>
+            <p:ph type="sldImg"/>
+          </p:nvPr>
+        </p:nvSpPr>
+        <p:spPr/>
+      </p:sp>
+      <p:sp>
+        <p:nvSpPr>
+          <p:cNvPr id="3" name="Espaço Reservado para Anotações 2"/>
+          <p:cNvSpPr>
+            <a:spLocks noGrp="1"/>
+          </p:cNvSpPr>
+          <p:nvPr>
+            <p:ph type="body" idx="1"/>
+          </p:nvPr>
+        </p:nvSpPr>
+        <p:spPr/>
+        <p:txBody>
+          <a:bodyPr/>
+          <a:lstStyle/>
+          <a:p>
+            <a:endParaRPr lang="pt-BR"/>
+          </a:p>
+        </p:txBody>
+      </p:sp>
+    </p:spTree>
+    <p:extLst>
+      <p:ext uri="{BB962C8B-B14F-4D97-AF65-F5344CB8AC3E}">
+        <p14:creationId xmlns:p14="http://schemas.microsoft.com/office/powerpoint/2010/main" val="3533596278"/>
+      </p:ext>
+    </p:extLst>
+  </p:cSld>
+  <p:clrMapOvr>
+    <a:masterClrMapping/>
+  </p:clrMapOvr>
+</p:notes>
+</file>
+
+<file path=ppt/notesSlides/notesSlide16.xml><?xml version="1.0" encoding="utf-8"?>
+<p:notes xmlns:a="http://schemas.openxmlformats.org/drawingml/2006/main" xmlns:r="http://schemas.openxmlformats.org/officeDocument/2006/relationships" xmlns:p="http://schemas.openxmlformats.org/presentationml/2006/main">
+  <p:cSld>
+    <p:spTree>
+      <p:nvGrpSpPr>
+        <p:cNvPr id="1" name=""/>
+        <p:cNvGrpSpPr/>
+        <p:nvPr/>
+      </p:nvGrpSpPr>
+      <p:grpSpPr>
+        <a:xfrm>
+          <a:off x="0" y="0"/>
+          <a:ext cx="0" cy="0"/>
+          <a:chOff x="0" y="0"/>
+          <a:chExt cx="0" cy="0"/>
+        </a:xfrm>
+      </p:grpSpPr>
+      <p:sp>
+        <p:nvSpPr>
+          <p:cNvPr id="2" name="Espaço Reservado para Imagem de Slide 1"/>
+          <p:cNvSpPr>
+            <a:spLocks noGrp="1" noRot="1" noChangeAspect="1"/>
+          </p:cNvSpPr>
+          <p:nvPr>
+            <p:ph type="sldImg"/>
+          </p:nvPr>
+        </p:nvSpPr>
+        <p:spPr/>
+      </p:sp>
+      <p:sp>
+        <p:nvSpPr>
+          <p:cNvPr id="3" name="Espaço Reservado para Anotações 2"/>
+          <p:cNvSpPr>
+            <a:spLocks noGrp="1"/>
+          </p:cNvSpPr>
+          <p:nvPr>
+            <p:ph type="body" idx="1"/>
+          </p:nvPr>
+        </p:nvSpPr>
+        <p:spPr/>
+        <p:txBody>
+          <a:bodyPr/>
+          <a:lstStyle/>
+          <a:p>
+            <a:endParaRPr lang="pt-BR"/>
+          </a:p>
+        </p:txBody>
+      </p:sp>
+    </p:spTree>
+    <p:extLst>
+      <p:ext uri="{BB962C8B-B14F-4D97-AF65-F5344CB8AC3E}">
+        <p14:creationId xmlns:p14="http://schemas.microsoft.com/office/powerpoint/2010/main" val="592032156"/>
+      </p:ext>
+    </p:extLst>
+  </p:cSld>
+  <p:clrMapOvr>
+    <a:masterClrMapping/>
+  </p:clrMapOvr>
+</p:notes>
+</file>
+
+<file path=ppt/notesSlides/notesSlide17.xml><?xml version="1.0" encoding="utf-8"?>
+<p:notes xmlns:a="http://schemas.openxmlformats.org/drawingml/2006/main" xmlns:r="http://schemas.openxmlformats.org/officeDocument/2006/relationships" xmlns:p="http://schemas.openxmlformats.org/presentationml/2006/main">
+  <p:cSld>
+    <p:spTree>
+      <p:nvGrpSpPr>
+        <p:cNvPr id="1" name=""/>
+        <p:cNvGrpSpPr/>
+        <p:nvPr/>
+      </p:nvGrpSpPr>
+      <p:grpSpPr>
+        <a:xfrm>
+          <a:off x="0" y="0"/>
+          <a:ext cx="0" cy="0"/>
+          <a:chOff x="0" y="0"/>
+          <a:chExt cx="0" cy="0"/>
+        </a:xfrm>
+      </p:grpSpPr>
+      <p:sp>
+        <p:nvSpPr>
+          <p:cNvPr id="2" name="Espaço Reservado para Imagem de Slide 1"/>
+          <p:cNvSpPr>
+            <a:spLocks noGrp="1" noRot="1" noChangeAspect="1"/>
+          </p:cNvSpPr>
+          <p:nvPr>
+            <p:ph type="sldImg"/>
+          </p:nvPr>
+        </p:nvSpPr>
+        <p:spPr/>
+      </p:sp>
+      <p:sp>
+        <p:nvSpPr>
+          <p:cNvPr id="3" name="Espaço Reservado para Anotações 2"/>
+          <p:cNvSpPr>
+            <a:spLocks noGrp="1"/>
+          </p:cNvSpPr>
+          <p:nvPr>
+            <p:ph type="body" idx="1"/>
+          </p:nvPr>
+        </p:nvSpPr>
+        <p:spPr/>
+        <p:txBody>
+          <a:bodyPr/>
+          <a:lstStyle/>
+          <a:p>
+            <a:endParaRPr lang="pt-BR"/>
+          </a:p>
+        </p:txBody>
+      </p:sp>
+    </p:spTree>
+    <p:extLst>
+      <p:ext uri="{BB962C8B-B14F-4D97-AF65-F5344CB8AC3E}">
+        <p14:creationId xmlns:p14="http://schemas.microsoft.com/office/powerpoint/2010/main" val="2964060907"/>
+      </p:ext>
+    </p:extLst>
+  </p:cSld>
+  <p:clrMapOvr>
+    <a:masterClrMapping/>
+  </p:clrMapOvr>
+</p:notes>
+</file>
+
 <file path=ppt/notesSlides/notesSlide2.xml><?xml version="1.0" encoding="utf-8"?>
 <p:notes xmlns:a="http://schemas.openxmlformats.org/drawingml/2006/main" xmlns:r="http://schemas.openxmlformats.org/officeDocument/2006/relationships" xmlns:p="http://schemas.openxmlformats.org/presentationml/2006/main" showMasterSp="0" showMasterPhAnim="0">
   <p:cSld>
@@ -918,16 +1434,13 @@
           </a:bodyPr>
           <a:lstStyle/>
           <a:p>
-            <a:pPr marL="0" lvl="0" indent="0" algn="l" rtl="0">
-              <a:spcBef>
-                <a:spcPts val="0"/>
-              </a:spcBef>
-              <a:spcAft>
-                <a:spcPts val="0"/>
-              </a:spcAft>
+            <a:pPr marL="0" indent="0">
               <a:buNone/>
             </a:pPr>
-            <a:endParaRPr/>
+            <a:r>
+              <a:rPr lang="pt-BR" dirty="0"/>
+              <a:t>A escolha do tema foi com base na proposta de escolher algo relacionado ao estágio. Durante o estágio realizei diversas análises de quesitos de performance voltados para banco de dados, inclusive realização de troubleshooting de rotinas.</a:t>
+            </a:r>
           </a:p>
         </p:txBody>
       </p:sp>
@@ -1031,7 +1544,11 @@
               </a:spcAft>
               <a:buNone/>
             </a:pPr>
-            <a:endParaRPr/>
+            <a:r>
+              <a:rPr lang="pt-BR" dirty="0"/>
+              <a:t>O banco de dados é uma peça importante em um sistema sendo muito utilizada em sistemas, então seu funcionamento deve ser estável e deve sempre ter um monitoramento nos tempos de resposta de cada requisição.</a:t>
+            </a:r>
+            <a:endParaRPr dirty="0"/>
           </a:p>
         </p:txBody>
       </p:sp>
@@ -1135,7 +1652,11 @@
               </a:spcAft>
               <a:buNone/>
             </a:pPr>
-            <a:endParaRPr/>
+            <a:r>
+              <a:rPr lang="pt-BR" dirty="0"/>
+              <a:t>O problema começa quando as rotinas no banco de dados começam a ficar lentas de repente, e para encontrar o problema leva-se um determinado tempo para identificar e corrigir este problema, mesmo podendo ser um item básico como por exemplo a falta de um índice.</a:t>
+            </a:r>
+            <a:endParaRPr dirty="0"/>
           </a:p>
         </p:txBody>
       </p:sp>
@@ -1239,11 +1760,354 @@
               </a:spcAft>
               <a:buNone/>
             </a:pPr>
-            <a:endParaRPr/>
+            <a:r>
+              <a:rPr lang="pt-BR" dirty="0"/>
+              <a:t>Desenvolver um sistema de otimização de banco de dados, identificando pontos a melhorar no banco de dados através de relatórios que viabilizam esta análise.</a:t>
+            </a:r>
+            <a:endParaRPr dirty="0"/>
           </a:p>
         </p:txBody>
       </p:sp>
     </p:spTree>
+  </p:cSld>
+  <p:clrMapOvr>
+    <a:masterClrMapping/>
+  </p:clrMapOvr>
+</p:notes>
+</file>
+
+<file path=ppt/notesSlides/notesSlide6.xml><?xml version="1.0" encoding="utf-8"?>
+<p:notes xmlns:a="http://schemas.openxmlformats.org/drawingml/2006/main" xmlns:r="http://schemas.openxmlformats.org/officeDocument/2006/relationships" xmlns:p="http://schemas.openxmlformats.org/presentationml/2006/main">
+  <p:cSld>
+    <p:spTree>
+      <p:nvGrpSpPr>
+        <p:cNvPr id="1" name=""/>
+        <p:cNvGrpSpPr/>
+        <p:nvPr/>
+      </p:nvGrpSpPr>
+      <p:grpSpPr>
+        <a:xfrm>
+          <a:off x="0" y="0"/>
+          <a:ext cx="0" cy="0"/>
+          <a:chOff x="0" y="0"/>
+          <a:chExt cx="0" cy="0"/>
+        </a:xfrm>
+      </p:grpSpPr>
+      <p:sp>
+        <p:nvSpPr>
+          <p:cNvPr id="2" name="Espaço Reservado para Imagem de Slide 1"/>
+          <p:cNvSpPr>
+            <a:spLocks noGrp="1" noRot="1" noChangeAspect="1"/>
+          </p:cNvSpPr>
+          <p:nvPr>
+            <p:ph type="sldImg"/>
+          </p:nvPr>
+        </p:nvSpPr>
+        <p:spPr>
+          <a:xfrm>
+            <a:off x="381000" y="685800"/>
+            <a:ext cx="6096000" cy="3429000"/>
+          </a:xfrm>
+        </p:spPr>
+      </p:sp>
+      <p:sp>
+        <p:nvSpPr>
+          <p:cNvPr id="3" name="Espaço Reservado para Anotações 2"/>
+          <p:cNvSpPr>
+            <a:spLocks noGrp="1"/>
+          </p:cNvSpPr>
+          <p:nvPr>
+            <p:ph type="body" idx="1"/>
+          </p:nvPr>
+        </p:nvSpPr>
+        <p:spPr/>
+        <p:txBody>
+          <a:bodyPr/>
+          <a:lstStyle/>
+          <a:p>
+            <a:pPr marL="158750" indent="0">
+              <a:buNone/>
+            </a:pPr>
+            <a:r>
+              <a:rPr lang="pt-BR" dirty="0"/>
+              <a:t>Identificar itens que degradem a performance do banco de dados;</a:t>
+            </a:r>
+          </a:p>
+          <a:p>
+            <a:pPr marL="158750" indent="0">
+              <a:buNone/>
+            </a:pPr>
+            <a:r>
+              <a:rPr lang="pt-BR" dirty="0"/>
+              <a:t>Criar e alterar índices em tabelas no banco de dados;</a:t>
+            </a:r>
+          </a:p>
+          <a:p>
+            <a:pPr marL="158750" indent="0">
+              <a:buNone/>
+            </a:pPr>
+            <a:r>
+              <a:rPr lang="pt-BR" dirty="0"/>
+              <a:t>Estudar e apresentar as melhores práticas de banco de dados;</a:t>
+            </a:r>
+          </a:p>
+          <a:p>
+            <a:pPr marL="158750" indent="0">
+              <a:buNone/>
+            </a:pPr>
+            <a:r>
+              <a:rPr lang="pt-BR" dirty="0"/>
+              <a:t>Desenvolver um sistema que automatize verificações realizadas manualmente;</a:t>
+            </a:r>
+          </a:p>
+          <a:p>
+            <a:pPr marL="158750" indent="0">
+              <a:buNone/>
+            </a:pPr>
+            <a:r>
+              <a:rPr lang="pt-BR" dirty="0"/>
+              <a:t>Exemplificar situações que podem afetar a performance de um sistema;</a:t>
+            </a:r>
+          </a:p>
+        </p:txBody>
+      </p:sp>
+    </p:spTree>
+    <p:extLst>
+      <p:ext uri="{BB962C8B-B14F-4D97-AF65-F5344CB8AC3E}">
+        <p14:creationId xmlns:p14="http://schemas.microsoft.com/office/powerpoint/2010/main" val="647741720"/>
+      </p:ext>
+    </p:extLst>
+  </p:cSld>
+  <p:clrMapOvr>
+    <a:masterClrMapping/>
+  </p:clrMapOvr>
+</p:notes>
+</file>
+
+<file path=ppt/notesSlides/notesSlide7.xml><?xml version="1.0" encoding="utf-8"?>
+<p:notes xmlns:a="http://schemas.openxmlformats.org/drawingml/2006/main" xmlns:r="http://schemas.openxmlformats.org/officeDocument/2006/relationships" xmlns:p="http://schemas.openxmlformats.org/presentationml/2006/main">
+  <p:cSld>
+    <p:spTree>
+      <p:nvGrpSpPr>
+        <p:cNvPr id="1" name=""/>
+        <p:cNvGrpSpPr/>
+        <p:nvPr/>
+      </p:nvGrpSpPr>
+      <p:grpSpPr>
+        <a:xfrm>
+          <a:off x="0" y="0"/>
+          <a:ext cx="0" cy="0"/>
+          <a:chOff x="0" y="0"/>
+          <a:chExt cx="0" cy="0"/>
+        </a:xfrm>
+      </p:grpSpPr>
+      <p:sp>
+        <p:nvSpPr>
+          <p:cNvPr id="2" name="Espaço Reservado para Imagem de Slide 1"/>
+          <p:cNvSpPr>
+            <a:spLocks noGrp="1" noRot="1" noChangeAspect="1"/>
+          </p:cNvSpPr>
+          <p:nvPr>
+            <p:ph type="sldImg"/>
+          </p:nvPr>
+        </p:nvSpPr>
+        <p:spPr>
+          <a:xfrm>
+            <a:off x="381000" y="685800"/>
+            <a:ext cx="6096000" cy="3429000"/>
+          </a:xfrm>
+        </p:spPr>
+      </p:sp>
+      <p:sp>
+        <p:nvSpPr>
+          <p:cNvPr id="3" name="Espaço Reservado para Anotações 2"/>
+          <p:cNvSpPr>
+            <a:spLocks noGrp="1"/>
+          </p:cNvSpPr>
+          <p:nvPr>
+            <p:ph type="body" idx="1"/>
+          </p:nvPr>
+        </p:nvSpPr>
+        <p:spPr/>
+        <p:txBody>
+          <a:bodyPr/>
+          <a:lstStyle/>
+          <a:p>
+            <a:pPr marL="158750" indent="0">
+              <a:buNone/>
+            </a:pPr>
+            <a:r>
+              <a:rPr lang="pt-BR" dirty="0"/>
+              <a:t>Foi consultado a documentação do SQL Server</a:t>
+            </a:r>
+          </a:p>
+          <a:p>
+            <a:pPr marL="158750" indent="0">
+              <a:buNone/>
+            </a:pPr>
+            <a:r>
+              <a:rPr lang="pt-BR" dirty="0"/>
+              <a:t>Melhores práticas para desenvolvimento para banco de dados</a:t>
+            </a:r>
+          </a:p>
+          <a:p>
+            <a:pPr marL="158750" indent="0">
+              <a:buNone/>
+            </a:pPr>
+            <a:r>
+              <a:rPr lang="pt-BR" dirty="0"/>
+              <a:t>A aplicação é feita em </a:t>
+            </a:r>
+            <a:r>
+              <a:rPr lang="pt-BR" dirty="0" err="1"/>
+              <a:t>dotnet</a:t>
+            </a:r>
+            <a:r>
+              <a:rPr lang="pt-BR" dirty="0"/>
+              <a:t> framework c#;</a:t>
+            </a:r>
+          </a:p>
+        </p:txBody>
+      </p:sp>
+    </p:spTree>
+    <p:extLst>
+      <p:ext uri="{BB962C8B-B14F-4D97-AF65-F5344CB8AC3E}">
+        <p14:creationId xmlns:p14="http://schemas.microsoft.com/office/powerpoint/2010/main" val="2301106758"/>
+      </p:ext>
+    </p:extLst>
+  </p:cSld>
+  <p:clrMapOvr>
+    <a:masterClrMapping/>
+  </p:clrMapOvr>
+</p:notes>
+</file>
+
+<file path=ppt/notesSlides/notesSlide8.xml><?xml version="1.0" encoding="utf-8"?>
+<p:notes xmlns:a="http://schemas.openxmlformats.org/drawingml/2006/main" xmlns:r="http://schemas.openxmlformats.org/officeDocument/2006/relationships" xmlns:p="http://schemas.openxmlformats.org/presentationml/2006/main">
+  <p:cSld>
+    <p:spTree>
+      <p:nvGrpSpPr>
+        <p:cNvPr id="1" name=""/>
+        <p:cNvGrpSpPr/>
+        <p:nvPr/>
+      </p:nvGrpSpPr>
+      <p:grpSpPr>
+        <a:xfrm>
+          <a:off x="0" y="0"/>
+          <a:ext cx="0" cy="0"/>
+          <a:chOff x="0" y="0"/>
+          <a:chExt cx="0" cy="0"/>
+        </a:xfrm>
+      </p:grpSpPr>
+      <p:sp>
+        <p:nvSpPr>
+          <p:cNvPr id="2" name="Espaço Reservado para Imagem de Slide 1"/>
+          <p:cNvSpPr>
+            <a:spLocks noGrp="1" noRot="1" noChangeAspect="1"/>
+          </p:cNvSpPr>
+          <p:nvPr>
+            <p:ph type="sldImg"/>
+          </p:nvPr>
+        </p:nvSpPr>
+        <p:spPr>
+          <a:xfrm>
+            <a:off x="381000" y="685800"/>
+            <a:ext cx="6096000" cy="3429000"/>
+          </a:xfrm>
+        </p:spPr>
+      </p:sp>
+      <p:sp>
+        <p:nvSpPr>
+          <p:cNvPr id="3" name="Espaço Reservado para Anotações 2"/>
+          <p:cNvSpPr>
+            <a:spLocks noGrp="1"/>
+          </p:cNvSpPr>
+          <p:nvPr>
+            <p:ph type="body" idx="1"/>
+          </p:nvPr>
+        </p:nvSpPr>
+        <p:spPr/>
+        <p:txBody>
+          <a:bodyPr/>
+          <a:lstStyle/>
+          <a:p>
+            <a:pPr marL="158750" indent="0">
+              <a:buNone/>
+            </a:pPr>
+            <a:r>
+              <a:rPr lang="pt-BR" dirty="0"/>
+              <a:t>Devido a popularização de sistemas, cada vez mais torna-se importante realizar analises rotineiras no banco de dados. Como em um banco de dados tem diversos itens que podem afetar a performance, uma ferramenta que facilita verificações através de uma interface amigável facilita muito o trabalho e permite entregar relatórios como resultado.</a:t>
+            </a:r>
+          </a:p>
+        </p:txBody>
+      </p:sp>
+    </p:spTree>
+    <p:extLst>
+      <p:ext uri="{BB962C8B-B14F-4D97-AF65-F5344CB8AC3E}">
+        <p14:creationId xmlns:p14="http://schemas.microsoft.com/office/powerpoint/2010/main" val="235206076"/>
+      </p:ext>
+    </p:extLst>
+  </p:cSld>
+  <p:clrMapOvr>
+    <a:masterClrMapping/>
+  </p:clrMapOvr>
+</p:notes>
+</file>
+
+<file path=ppt/notesSlides/notesSlide9.xml><?xml version="1.0" encoding="utf-8"?>
+<p:notes xmlns:a="http://schemas.openxmlformats.org/drawingml/2006/main" xmlns:r="http://schemas.openxmlformats.org/officeDocument/2006/relationships" xmlns:p="http://schemas.openxmlformats.org/presentationml/2006/main">
+  <p:cSld>
+    <p:spTree>
+      <p:nvGrpSpPr>
+        <p:cNvPr id="1" name=""/>
+        <p:cNvGrpSpPr/>
+        <p:nvPr/>
+      </p:nvGrpSpPr>
+      <p:grpSpPr>
+        <a:xfrm>
+          <a:off x="0" y="0"/>
+          <a:ext cx="0" cy="0"/>
+          <a:chOff x="0" y="0"/>
+          <a:chExt cx="0" cy="0"/>
+        </a:xfrm>
+      </p:grpSpPr>
+      <p:sp>
+        <p:nvSpPr>
+          <p:cNvPr id="2" name="Espaço Reservado para Imagem de Slide 1"/>
+          <p:cNvSpPr>
+            <a:spLocks noGrp="1" noRot="1" noChangeAspect="1"/>
+          </p:cNvSpPr>
+          <p:nvPr>
+            <p:ph type="sldImg"/>
+          </p:nvPr>
+        </p:nvSpPr>
+        <p:spPr/>
+      </p:sp>
+      <p:sp>
+        <p:nvSpPr>
+          <p:cNvPr id="3" name="Espaço Reservado para Anotações 2"/>
+          <p:cNvSpPr>
+            <a:spLocks noGrp="1"/>
+          </p:cNvSpPr>
+          <p:nvPr>
+            <p:ph type="body" idx="1"/>
+          </p:nvPr>
+        </p:nvSpPr>
+        <p:spPr/>
+        <p:txBody>
+          <a:bodyPr/>
+          <a:lstStyle/>
+          <a:p>
+            <a:endParaRPr lang="pt-BR"/>
+          </a:p>
+        </p:txBody>
+      </p:sp>
+    </p:spTree>
+    <p:extLst>
+      <p:ext uri="{BB962C8B-B14F-4D97-AF65-F5344CB8AC3E}">
+        <p14:creationId xmlns:p14="http://schemas.microsoft.com/office/powerpoint/2010/main" val="3869254195"/>
+      </p:ext>
+    </p:extLst>
   </p:cSld>
   <p:clrMapOvr>
     <a:masterClrMapping/>
@@ -15145,7 +16009,7 @@
         </p:nvSpPr>
         <p:spPr>
           <a:xfrm>
-            <a:off x="121632" y="1453915"/>
+            <a:off x="134884" y="1023220"/>
             <a:ext cx="5424403" cy="1872900"/>
           </a:xfrm>
           <a:prstGeom prst="rect">
@@ -15187,7 +16051,7 @@
         </p:nvSpPr>
         <p:spPr>
           <a:xfrm>
-            <a:off x="1557007" y="3326815"/>
+            <a:off x="1570259" y="2896120"/>
             <a:ext cx="2553651" cy="412483"/>
           </a:xfrm>
           <a:prstGeom prst="rect">
@@ -15233,7 +16097,7 @@
         </p:nvSpPr>
         <p:spPr>
           <a:xfrm>
-            <a:off x="2156729" y="4609810"/>
+            <a:off x="2169981" y="4179115"/>
             <a:ext cx="1354206" cy="412483"/>
           </a:xfrm>
           <a:prstGeom prst="rect">
@@ -15520,7 +16384,7 @@
         </p:nvSpPr>
         <p:spPr>
           <a:xfrm>
-            <a:off x="1725972" y="3851938"/>
+            <a:off x="1739224" y="3421243"/>
             <a:ext cx="2215720" cy="412483"/>
           </a:xfrm>
           <a:prstGeom prst="rect">
@@ -15866,7 +16730,7 @@
           <p:nvPr/>
         </p:nvPicPr>
         <p:blipFill>
-          <a:blip r:embed="rId2"/>
+          <a:blip r:embed="rId3"/>
           <a:stretch>
             <a:fillRect/>
           </a:stretch>
@@ -15954,7 +16818,7 @@
           <p:nvPr/>
         </p:nvPicPr>
         <p:blipFill>
-          <a:blip r:embed="rId2"/>
+          <a:blip r:embed="rId3"/>
           <a:stretch>
             <a:fillRect/>
           </a:stretch>
@@ -16042,7 +16906,7 @@
           <p:nvPr/>
         </p:nvPicPr>
         <p:blipFill>
-          <a:blip r:embed="rId2"/>
+          <a:blip r:embed="rId3"/>
           <a:stretch>
             <a:fillRect/>
           </a:stretch>
@@ -16244,7 +17108,7 @@
             </a:r>
             <a:r>
               <a:rPr lang="pt-BR" sz="1200" u="sng" dirty="0">
-                <a:hlinkClick r:id="rId2"/>
+                <a:hlinkClick r:id="rId3"/>
               </a:rPr>
               <a:t>https://dicasdeprogramacao.com.br/o-que-e-um-banco-de-dados/</a:t>
             </a:r>
@@ -16321,7 +17185,7 @@
             </a:r>
             <a:r>
               <a:rPr lang="pt-BR" sz="1200" u="sng" dirty="0">
-                <a:hlinkClick r:id="rId3"/>
+                <a:hlinkClick r:id="rId4"/>
               </a:rPr>
               <a:t>http://kessiamarchi.blogspot.com/2013/10/normalizacao.html</a:t>
             </a:r>
@@ -16425,7 +17289,7 @@
             </a:r>
             <a:r>
               <a:rPr lang="pt-BR" sz="1200" u="sng" dirty="0">
-                <a:hlinkClick r:id="rId2"/>
+                <a:hlinkClick r:id="rId3"/>
               </a:rPr>
               <a:t>http://www.consultoriadba.com/post/2016/05/10/modelagem-de-dados-formas-normais</a:t>
             </a:r>
@@ -16445,89 +17309,6 @@
             <a:r>
               <a:rPr lang="pt-BR" sz="1200" dirty="0"/>
               <a:t>MICROSOFT. CREATE INDEX (TRANSACT-SQL). Acessado em 22 de junho de 2020. Disponível em: &lt; </a:t>
-            </a:r>
-            <a:r>
-              <a:rPr lang="pt-BR" sz="1200" u="sng" dirty="0">
-                <a:hlinkClick r:id="rId3"/>
-              </a:rPr>
-              <a:t>https://docs.microsoft.com/</a:t>
-            </a:r>
-            <a:r>
-              <a:rPr lang="pt-BR" sz="1200" u="sng" dirty="0" err="1">
-                <a:hlinkClick r:id="rId3"/>
-              </a:rPr>
-              <a:t>pt-br</a:t>
-            </a:r>
-            <a:r>
-              <a:rPr lang="pt-BR" sz="1200" u="sng" dirty="0">
-                <a:hlinkClick r:id="rId3"/>
-              </a:rPr>
-              <a:t>/</a:t>
-            </a:r>
-            <a:r>
-              <a:rPr lang="pt-BR" sz="1200" u="sng" dirty="0" err="1">
-                <a:hlinkClick r:id="rId3"/>
-              </a:rPr>
-              <a:t>sql</a:t>
-            </a:r>
-            <a:r>
-              <a:rPr lang="pt-BR" sz="1200" u="sng" dirty="0">
-                <a:hlinkClick r:id="rId3"/>
-              </a:rPr>
-              <a:t>/t-</a:t>
-            </a:r>
-            <a:r>
-              <a:rPr lang="pt-BR" sz="1200" u="sng" dirty="0" err="1">
-                <a:hlinkClick r:id="rId3"/>
-              </a:rPr>
-              <a:t>sql</a:t>
-            </a:r>
-            <a:r>
-              <a:rPr lang="pt-BR" sz="1200" u="sng" dirty="0">
-                <a:hlinkClick r:id="rId3"/>
-              </a:rPr>
-              <a:t>/</a:t>
-            </a:r>
-            <a:r>
-              <a:rPr lang="pt-BR" sz="1200" u="sng" dirty="0" err="1">
-                <a:hlinkClick r:id="rId3"/>
-              </a:rPr>
-              <a:t>statements</a:t>
-            </a:r>
-            <a:r>
-              <a:rPr lang="pt-BR" sz="1200" u="sng" dirty="0">
-                <a:hlinkClick r:id="rId3"/>
-              </a:rPr>
-              <a:t>/</a:t>
-            </a:r>
-            <a:r>
-              <a:rPr lang="pt-BR" sz="1200" u="sng" dirty="0" err="1">
-                <a:hlinkClick r:id="rId3"/>
-              </a:rPr>
-              <a:t>create-index-transact-sql?view</a:t>
-            </a:r>
-            <a:r>
-              <a:rPr lang="pt-BR" sz="1200" u="sng" dirty="0">
-                <a:hlinkClick r:id="rId3"/>
-              </a:rPr>
-              <a:t>=sql-server-ver15</a:t>
-            </a:r>
-            <a:r>
-              <a:rPr lang="pt-BR" sz="1200" dirty="0"/>
-              <a:t>&gt;. </a:t>
-            </a:r>
-            <a:br>
-              <a:rPr lang="pt-BR" sz="1200" dirty="0"/>
-            </a:br>
-            <a:endParaRPr lang="pt-BR" sz="1200" dirty="0"/>
-          </a:p>
-          <a:p>
-            <a:pPr marL="146050" indent="0">
-              <a:buNone/>
-            </a:pPr>
-            <a:r>
-              <a:rPr lang="pt-BR" sz="1200" dirty="0"/>
-              <a:t>MICROSOFT. GUIA DE ARQUITETURA E DESIGN DE ÍNDICES DO SQL SERVER. Acessado em 6 de fevereiro de 2020. Disponível em: &lt;</a:t>
             </a:r>
             <a:r>
               <a:rPr lang="pt-BR" sz="1200" u="sng" dirty="0">
@@ -16557,13 +17338,13 @@
               <a:rPr lang="pt-BR" sz="1200" u="sng" dirty="0">
                 <a:hlinkClick r:id="rId4"/>
               </a:rPr>
-              <a:t>/</a:t>
+              <a:t>/t-</a:t>
             </a:r>
             <a:r>
               <a:rPr lang="pt-BR" sz="1200" u="sng" dirty="0" err="1">
                 <a:hlinkClick r:id="rId4"/>
               </a:rPr>
-              <a:t>relational-databases</a:t>
+              <a:t>sql</a:t>
             </a:r>
             <a:r>
               <a:rPr lang="pt-BR" sz="1200" u="sng" dirty="0">
@@ -16575,7 +17356,19 @@
               <a:rPr lang="pt-BR" sz="1200" u="sng" dirty="0" err="1">
                 <a:hlinkClick r:id="rId4"/>
               </a:rPr>
-              <a:t>sql-server-index-design-guide?view</a:t>
+              <a:t>statements</a:t>
+            </a:r>
+            <a:r>
+              <a:rPr lang="pt-BR" sz="1200" u="sng" dirty="0">
+                <a:hlinkClick r:id="rId4"/>
+              </a:rPr>
+              <a:t>/</a:t>
+            </a:r>
+            <a:r>
+              <a:rPr lang="pt-BR" sz="1200" u="sng" dirty="0" err="1">
+                <a:hlinkClick r:id="rId4"/>
+              </a:rPr>
+              <a:t>create-index-transact-sql?view</a:t>
             </a:r>
             <a:r>
               <a:rPr lang="pt-BR" sz="1200" u="sng" dirty="0">
@@ -16585,13 +17378,11 @@
             </a:r>
             <a:r>
               <a:rPr lang="pt-BR" sz="1200" dirty="0"/>
-              <a:t>&gt;.</a:t>
+              <a:t>&gt;. </a:t>
             </a:r>
-          </a:p>
-          <a:p>
-            <a:pPr marL="146050" indent="0">
-              <a:buNone/>
-            </a:pPr>
+            <a:br>
+              <a:rPr lang="pt-BR" sz="1200" dirty="0"/>
+            </a:br>
             <a:endParaRPr lang="pt-BR" sz="1200" dirty="0"/>
           </a:p>
           <a:p>
@@ -16600,7 +17391,7 @@
             </a:pPr>
             <a:r>
               <a:rPr lang="pt-BR" sz="1200" dirty="0"/>
-              <a:t>MICROSOFT. Guia de arquitetura de página e extensões. Acessado em 15 de junho de 2020. Disponível em: &lt;</a:t>
+              <a:t>MICROSOFT. GUIA DE ARQUITETURA E DESIGN DE ÍNDICES DO SQL SERVER. Acessado em 6 de fevereiro de 2020. Disponível em: &lt;</a:t>
             </a:r>
             <a:r>
               <a:rPr lang="pt-BR" sz="1200" u="sng" dirty="0">
@@ -16648,11 +17439,84 @@
               <a:rPr lang="pt-BR" sz="1200" u="sng" dirty="0" err="1">
                 <a:hlinkClick r:id="rId5"/>
               </a:rPr>
+              <a:t>sql-server-index-design-guide?view</a:t>
+            </a:r>
+            <a:r>
+              <a:rPr lang="pt-BR" sz="1200" u="sng" dirty="0">
+                <a:hlinkClick r:id="rId5"/>
+              </a:rPr>
+              <a:t>=sql-server-ver15</a:t>
+            </a:r>
+            <a:r>
+              <a:rPr lang="pt-BR" sz="1200" dirty="0"/>
+              <a:t>&gt;.</a:t>
+            </a:r>
+          </a:p>
+          <a:p>
+            <a:pPr marL="146050" indent="0">
+              <a:buNone/>
+            </a:pPr>
+            <a:endParaRPr lang="pt-BR" sz="1200" dirty="0"/>
+          </a:p>
+          <a:p>
+            <a:pPr marL="146050" indent="0">
+              <a:buNone/>
+            </a:pPr>
+            <a:r>
+              <a:rPr lang="pt-BR" sz="1200" dirty="0"/>
+              <a:t>MICROSOFT. Guia de arquitetura de página e extensões. Acessado em 15 de junho de 2020. Disponível em: &lt;</a:t>
+            </a:r>
+            <a:r>
+              <a:rPr lang="pt-BR" sz="1200" u="sng" dirty="0">
+                <a:hlinkClick r:id="rId6"/>
+              </a:rPr>
+              <a:t>https://docs.microsoft.com/</a:t>
+            </a:r>
+            <a:r>
+              <a:rPr lang="pt-BR" sz="1200" u="sng" dirty="0" err="1">
+                <a:hlinkClick r:id="rId6"/>
+              </a:rPr>
+              <a:t>pt-br</a:t>
+            </a:r>
+            <a:r>
+              <a:rPr lang="pt-BR" sz="1200" u="sng" dirty="0">
+                <a:hlinkClick r:id="rId6"/>
+              </a:rPr>
+              <a:t>/</a:t>
+            </a:r>
+            <a:r>
+              <a:rPr lang="pt-BR" sz="1200" u="sng" dirty="0" err="1">
+                <a:hlinkClick r:id="rId6"/>
+              </a:rPr>
+              <a:t>sql</a:t>
+            </a:r>
+            <a:r>
+              <a:rPr lang="pt-BR" sz="1200" u="sng" dirty="0">
+                <a:hlinkClick r:id="rId6"/>
+              </a:rPr>
+              <a:t>/</a:t>
+            </a:r>
+            <a:r>
+              <a:rPr lang="pt-BR" sz="1200" u="sng" dirty="0" err="1">
+                <a:hlinkClick r:id="rId6"/>
+              </a:rPr>
+              <a:t>relational-databases</a:t>
+            </a:r>
+            <a:r>
+              <a:rPr lang="pt-BR" sz="1200" u="sng" dirty="0">
+                <a:hlinkClick r:id="rId6"/>
+              </a:rPr>
+              <a:t>/</a:t>
+            </a:r>
+            <a:r>
+              <a:rPr lang="pt-BR" sz="1200" u="sng" dirty="0" err="1">
+                <a:hlinkClick r:id="rId6"/>
+              </a:rPr>
               <a:t>pages-and-extents-architecture-guide?view</a:t>
             </a:r>
             <a:r>
               <a:rPr lang="pt-BR" sz="1200" u="sng" dirty="0">
-                <a:hlinkClick r:id="rId5"/>
+                <a:hlinkClick r:id="rId6"/>
               </a:rPr>
               <a:t>=sql-server-ver15</a:t>
             </a:r>
@@ -16772,82 +17636,9 @@
             </a:r>
             <a:r>
               <a:rPr lang="pt-BR" sz="1200" u="sng" dirty="0">
-                <a:hlinkClick r:id="rId2"/>
+                <a:hlinkClick r:id="rId3"/>
               </a:rPr>
               <a:t>https://docs.microsoft.com/</a:t>
-            </a:r>
-            <a:r>
-              <a:rPr lang="pt-BR" sz="1200" u="sng" dirty="0" err="1">
-                <a:hlinkClick r:id="rId2"/>
-              </a:rPr>
-              <a:t>pt-br</a:t>
-            </a:r>
-            <a:r>
-              <a:rPr lang="pt-BR" sz="1200" u="sng" dirty="0">
-                <a:hlinkClick r:id="rId2"/>
-              </a:rPr>
-              <a:t>/</a:t>
-            </a:r>
-            <a:r>
-              <a:rPr lang="pt-BR" sz="1200" u="sng" dirty="0" err="1">
-                <a:hlinkClick r:id="rId2"/>
-              </a:rPr>
-              <a:t>sql</a:t>
-            </a:r>
-            <a:r>
-              <a:rPr lang="pt-BR" sz="1200" u="sng" dirty="0">
-                <a:hlinkClick r:id="rId2"/>
-              </a:rPr>
-              <a:t>/</a:t>
-            </a:r>
-            <a:r>
-              <a:rPr lang="pt-BR" sz="1200" u="sng" dirty="0" err="1">
-                <a:hlinkClick r:id="rId2"/>
-              </a:rPr>
-              <a:t>relational-databases</a:t>
-            </a:r>
-            <a:r>
-              <a:rPr lang="pt-BR" sz="1200" u="sng" dirty="0">
-                <a:hlinkClick r:id="rId2"/>
-              </a:rPr>
-              <a:t>/indexes/</a:t>
-            </a:r>
-            <a:r>
-              <a:rPr lang="pt-BR" sz="1200" u="sng" dirty="0" err="1">
-                <a:hlinkClick r:id="rId2"/>
-              </a:rPr>
-              <a:t>clustered-and-nonclustered-indexes-described?view</a:t>
-            </a:r>
-            <a:r>
-              <a:rPr lang="pt-BR" sz="1200" u="sng" dirty="0">
-                <a:hlinkClick r:id="rId2"/>
-              </a:rPr>
-              <a:t>=sql-server-2017</a:t>
-            </a:r>
-            <a:r>
-              <a:rPr lang="pt-BR" sz="1200" dirty="0"/>
-              <a:t>&gt;.</a:t>
-            </a:r>
-          </a:p>
-          <a:p>
-            <a:pPr marL="146050" indent="0">
-              <a:buNone/>
-            </a:pPr>
-            <a:endParaRPr lang="pt-BR" sz="1200" dirty="0"/>
-          </a:p>
-          <a:p>
-            <a:pPr marL="146050" indent="0">
-              <a:buNone/>
-            </a:pPr>
-            <a:r>
-              <a:rPr lang="pt-BR" sz="1200" dirty="0"/>
-              <a:t>MICROSOFT. SQL SERVER 2019. Acessado em 13 de junho de 2020. Disponível em &lt;</a:t>
-            </a:r>
-            <a:r>
-              <a:rPr lang="pt-BR" sz="1200" u="sng" dirty="0">
-                <a:hlinkClick r:id="rId3"/>
-              </a:rPr>
-              <a:t>https://www.microsoft.com/</a:t>
             </a:r>
             <a:r>
               <a:rPr lang="pt-BR" sz="1200" u="sng" dirty="0" err="1">
@@ -16871,7 +17662,31 @@
               <a:rPr lang="pt-BR" sz="1200" u="sng" dirty="0">
                 <a:hlinkClick r:id="rId3"/>
               </a:rPr>
-              <a:t>-server/sql-server-2019</a:t>
+              <a:t>/</a:t>
+            </a:r>
+            <a:r>
+              <a:rPr lang="pt-BR" sz="1200" u="sng" dirty="0" err="1">
+                <a:hlinkClick r:id="rId3"/>
+              </a:rPr>
+              <a:t>relational-databases</a:t>
+            </a:r>
+            <a:r>
+              <a:rPr lang="pt-BR" sz="1200" u="sng" dirty="0">
+                <a:hlinkClick r:id="rId3"/>
+              </a:rPr>
+              <a:t>/indexes/</a:t>
+            </a:r>
+            <a:r>
+              <a:rPr lang="pt-BR" sz="1200" u="sng" dirty="0" err="1">
+                <a:hlinkClick r:id="rId3"/>
+              </a:rPr>
+              <a:t>clustered-and-nonclustered-indexes-described?view</a:t>
+            </a:r>
+            <a:r>
+              <a:rPr lang="pt-BR" sz="1200" u="sng" dirty="0">
+                <a:hlinkClick r:id="rId3"/>
+              </a:rPr>
+              <a:t>=sql-server-2017</a:t>
             </a:r>
             <a:r>
               <a:rPr lang="pt-BR" sz="1200" dirty="0"/>
@@ -16882,24 +17697,27 @@
             <a:pPr marL="146050" indent="0">
               <a:buNone/>
             </a:pPr>
-            <a:br>
-              <a:rPr lang="pt-BR" sz="1200" dirty="0"/>
-            </a:br>
+            <a:endParaRPr lang="pt-BR" sz="1200" dirty="0"/>
+          </a:p>
+          <a:p>
+            <a:pPr marL="146050" indent="0">
+              <a:buNone/>
+            </a:pPr>
             <a:r>
               <a:rPr lang="pt-BR" sz="1200" dirty="0"/>
-              <a:t>PACIEVITCH, Y. SQL SERVER. Acessado em 13 de junho de 2020. Disponível em: &lt;</a:t>
+              <a:t>MICROSOFT. SQL SERVER 2019. Acessado em 13 de junho de 2020. Disponível em &lt;</a:t>
             </a:r>
             <a:r>
               <a:rPr lang="pt-BR" sz="1200" u="sng" dirty="0">
                 <a:hlinkClick r:id="rId4"/>
               </a:rPr>
-              <a:t>https://www.infoescola.com/</a:t>
+              <a:t>https://www.microsoft.com/</a:t>
             </a:r>
             <a:r>
               <a:rPr lang="pt-BR" sz="1200" u="sng" dirty="0" err="1">
                 <a:hlinkClick r:id="rId4"/>
               </a:rPr>
-              <a:t>informatica</a:t>
+              <a:t>pt-br</a:t>
             </a:r>
             <a:r>
               <a:rPr lang="pt-BR" sz="1200" u="sng" dirty="0">
@@ -16917,17 +17735,63 @@
               <a:rPr lang="pt-BR" sz="1200" u="sng" dirty="0">
                 <a:hlinkClick r:id="rId4"/>
               </a:rPr>
+              <a:t>-server/sql-server-2019</a:t>
+            </a:r>
+            <a:r>
+              <a:rPr lang="pt-BR" sz="1200" dirty="0"/>
+              <a:t>&gt;.</a:t>
+            </a:r>
+          </a:p>
+          <a:p>
+            <a:pPr marL="146050" indent="0">
+              <a:buNone/>
+            </a:pPr>
+            <a:br>
+              <a:rPr lang="pt-BR" sz="1200" dirty="0"/>
+            </a:br>
+            <a:r>
+              <a:rPr lang="pt-BR" sz="1200" dirty="0"/>
+              <a:t>PACIEVITCH, Y. SQL SERVER. Acessado em 13 de junho de 2020. Disponível em: &lt;</a:t>
+            </a:r>
+            <a:r>
+              <a:rPr lang="pt-BR" sz="1200" u="sng" dirty="0">
+                <a:hlinkClick r:id="rId5"/>
+              </a:rPr>
+              <a:t>https://www.infoescola.com/</a:t>
+            </a:r>
+            <a:r>
+              <a:rPr lang="pt-BR" sz="1200" u="sng" dirty="0" err="1">
+                <a:hlinkClick r:id="rId5"/>
+              </a:rPr>
+              <a:t>informatica</a:t>
+            </a:r>
+            <a:r>
+              <a:rPr lang="pt-BR" sz="1200" u="sng" dirty="0">
+                <a:hlinkClick r:id="rId5"/>
+              </a:rPr>
+              <a:t>/</a:t>
+            </a:r>
+            <a:r>
+              <a:rPr lang="pt-BR" sz="1200" u="sng" dirty="0" err="1">
+                <a:hlinkClick r:id="rId5"/>
+              </a:rPr>
+              <a:t>sql</a:t>
+            </a:r>
+            <a:r>
+              <a:rPr lang="pt-BR" sz="1200" u="sng" dirty="0">
+                <a:hlinkClick r:id="rId5"/>
+              </a:rPr>
               <a:t>-server/#:~:</a:t>
             </a:r>
             <a:r>
               <a:rPr lang="pt-BR" sz="1200" u="sng" dirty="0" err="1">
-                <a:hlinkClick r:id="rId4"/>
+                <a:hlinkClick r:id="rId5"/>
               </a:rPr>
               <a:t>text</a:t>
             </a:r>
             <a:r>
               <a:rPr lang="pt-BR" sz="1200" u="sng" dirty="0">
-                <a:hlinkClick r:id="rId4"/>
+                <a:hlinkClick r:id="rId5"/>
               </a:rPr>
               <a:t>=O%20SQL%20Server%20%C3%A9%20um,melhorar%20o%20programa%20ap%C3%B3s%20isto.</a:t>
             </a:r>
@@ -16952,7 +17816,7 @@
             </a:r>
             <a:r>
               <a:rPr lang="pt-BR" sz="1200" u="sng" dirty="0">
-                <a:hlinkClick r:id="rId5"/>
+                <a:hlinkClick r:id="rId6"/>
               </a:rPr>
               <a:t>https://www.devmedia.com.br/a-historia-dos-banco-de-dados/1678</a:t>
             </a:r>
@@ -17056,7 +17920,7 @@
             </a:r>
             <a:r>
               <a:rPr lang="pt-BR" sz="1200" u="sng" dirty="0">
-                <a:hlinkClick r:id="rId2"/>
+                <a:hlinkClick r:id="rId3"/>
               </a:rPr>
               <a:t>http://www.linhadecodigo.com.br/artigo/3620/indices-mysql-otimizacao-de-consultas.aspx</a:t>
             </a:r>
@@ -17081,19 +17945,19 @@
             </a:r>
             <a:r>
               <a:rPr lang="pt-BR" sz="1200" u="sng" dirty="0">
-                <a:hlinkClick r:id="rId3"/>
+                <a:hlinkClick r:id="rId4"/>
               </a:rPr>
               <a:t>https://www.ime.usp.br/~</a:t>
             </a:r>
             <a:r>
               <a:rPr lang="pt-BR" sz="1200" u="sng" dirty="0" err="1">
-                <a:hlinkClick r:id="rId3"/>
+                <a:hlinkClick r:id="rId4"/>
               </a:rPr>
               <a:t>andrers</a:t>
             </a:r>
             <a:r>
               <a:rPr lang="pt-BR" sz="1200" u="sng" dirty="0">
-                <a:hlinkClick r:id="rId3"/>
+                <a:hlinkClick r:id="rId4"/>
               </a:rPr>
               <a:t>/aulas/bd2005-1/aula3.html</a:t>
             </a:r>
@@ -17115,7 +17979,7 @@
             </a:r>
             <a:r>
               <a:rPr lang="pt-BR" sz="1200" u="sng" dirty="0">
-                <a:hlinkClick r:id="rId4"/>
+                <a:hlinkClick r:id="rId5"/>
               </a:rPr>
               <a:t>https://www.estudopratico.com.br/banco-de-dados/</a:t>
             </a:r>
@@ -17140,25 +18004,25 @@
             </a:r>
             <a:r>
               <a:rPr lang="pt-BR" sz="1200" u="sng" dirty="0">
-                <a:hlinkClick r:id="rId5"/>
+                <a:hlinkClick r:id="rId6"/>
               </a:rPr>
               <a:t>https://encontreumnerd.com.br/blog/o-que-e-</a:t>
             </a:r>
             <a:r>
               <a:rPr lang="pt-BR" sz="1200" u="sng" dirty="0" err="1">
-                <a:hlinkClick r:id="rId5"/>
+                <a:hlinkClick r:id="rId6"/>
               </a:rPr>
               <a:t>seguranca</a:t>
             </a:r>
             <a:r>
               <a:rPr lang="pt-BR" sz="1200" u="sng" dirty="0">
-                <a:hlinkClick r:id="rId5"/>
+                <a:hlinkClick r:id="rId6"/>
               </a:rPr>
               <a:t>-</a:t>
             </a:r>
             <a:r>
               <a:rPr lang="pt-BR" sz="1200" u="sng" dirty="0" err="1">
-                <a:hlinkClick r:id="rId5"/>
+                <a:hlinkClick r:id="rId6"/>
               </a:rPr>
               <a:t>de-dados</a:t>
             </a:r>
